--- a/docs/brainpy_handbook/ppt/snns.pptx
+++ b/docs/brainpy_handbook/ppt/snns.pptx
@@ -6,6 +6,8 @@
   </p:sldMasterIdLst>
   <p:sldIdLst>
     <p:sldId id="277" r:id="rId2"/>
+    <p:sldId id="278" r:id="rId3"/>
+    <p:sldId id="279" r:id="rId4"/>
   </p:sldIdLst>
   <p:sldSz cx="13716000" cy="18288000"/>
   <p:notesSz cx="6858000" cy="9144000"/>
@@ -243,7 +245,7 @@
           <a:p>
             <a:fld id="{0E88AB90-0D2D-461D-B22C-FF3F8B460DB8}" type="datetimeFigureOut">
               <a:rPr lang="zh-CN" altLang="en-US" smtClean="0"/>
-              <a:t>2021/4/27</a:t>
+              <a:t>2021/4/28</a:t>
             </a:fld>
             <a:endParaRPr lang="zh-CN" altLang="en-US"/>
           </a:p>
@@ -413,7 +415,7 @@
           <a:p>
             <a:fld id="{0E88AB90-0D2D-461D-B22C-FF3F8B460DB8}" type="datetimeFigureOut">
               <a:rPr lang="zh-CN" altLang="en-US" smtClean="0"/>
-              <a:t>2021/4/27</a:t>
+              <a:t>2021/4/28</a:t>
             </a:fld>
             <a:endParaRPr lang="zh-CN" altLang="en-US"/>
           </a:p>
@@ -593,7 +595,7 @@
           <a:p>
             <a:fld id="{0E88AB90-0D2D-461D-B22C-FF3F8B460DB8}" type="datetimeFigureOut">
               <a:rPr lang="zh-CN" altLang="en-US" smtClean="0"/>
-              <a:t>2021/4/27</a:t>
+              <a:t>2021/4/28</a:t>
             </a:fld>
             <a:endParaRPr lang="zh-CN" altLang="en-US"/>
           </a:p>
@@ -763,7 +765,7 @@
           <a:p>
             <a:fld id="{0E88AB90-0D2D-461D-B22C-FF3F8B460DB8}" type="datetimeFigureOut">
               <a:rPr lang="zh-CN" altLang="en-US" smtClean="0"/>
-              <a:t>2021/4/27</a:t>
+              <a:t>2021/4/28</a:t>
             </a:fld>
             <a:endParaRPr lang="zh-CN" altLang="en-US"/>
           </a:p>
@@ -1007,7 +1009,7 @@
           <a:p>
             <a:fld id="{0E88AB90-0D2D-461D-B22C-FF3F8B460DB8}" type="datetimeFigureOut">
               <a:rPr lang="zh-CN" altLang="en-US" smtClean="0"/>
-              <a:t>2021/4/27</a:t>
+              <a:t>2021/4/28</a:t>
             </a:fld>
             <a:endParaRPr lang="zh-CN" altLang="en-US"/>
           </a:p>
@@ -1239,7 +1241,7 @@
           <a:p>
             <a:fld id="{0E88AB90-0D2D-461D-B22C-FF3F8B460DB8}" type="datetimeFigureOut">
               <a:rPr lang="zh-CN" altLang="en-US" smtClean="0"/>
-              <a:t>2021/4/27</a:t>
+              <a:t>2021/4/28</a:t>
             </a:fld>
             <a:endParaRPr lang="zh-CN" altLang="en-US"/>
           </a:p>
@@ -1606,7 +1608,7 @@
           <a:p>
             <a:fld id="{0E88AB90-0D2D-461D-B22C-FF3F8B460DB8}" type="datetimeFigureOut">
               <a:rPr lang="zh-CN" altLang="en-US" smtClean="0"/>
-              <a:t>2021/4/27</a:t>
+              <a:t>2021/4/28</a:t>
             </a:fld>
             <a:endParaRPr lang="zh-CN" altLang="en-US"/>
           </a:p>
@@ -1724,7 +1726,7 @@
           <a:p>
             <a:fld id="{0E88AB90-0D2D-461D-B22C-FF3F8B460DB8}" type="datetimeFigureOut">
               <a:rPr lang="zh-CN" altLang="en-US" smtClean="0"/>
-              <a:t>2021/4/27</a:t>
+              <a:t>2021/4/28</a:t>
             </a:fld>
             <a:endParaRPr lang="zh-CN" altLang="en-US"/>
           </a:p>
@@ -1819,7 +1821,7 @@
           <a:p>
             <a:fld id="{0E88AB90-0D2D-461D-B22C-FF3F8B460DB8}" type="datetimeFigureOut">
               <a:rPr lang="zh-CN" altLang="en-US" smtClean="0"/>
-              <a:t>2021/4/27</a:t>
+              <a:t>2021/4/28</a:t>
             </a:fld>
             <a:endParaRPr lang="zh-CN" altLang="en-US"/>
           </a:p>
@@ -2096,7 +2098,7 @@
           <a:p>
             <a:fld id="{0E88AB90-0D2D-461D-B22C-FF3F8B460DB8}" type="datetimeFigureOut">
               <a:rPr lang="zh-CN" altLang="en-US" smtClean="0"/>
-              <a:t>2021/4/27</a:t>
+              <a:t>2021/4/28</a:t>
             </a:fld>
             <a:endParaRPr lang="zh-CN" altLang="en-US"/>
           </a:p>
@@ -2353,7 +2355,7 @@
           <a:p>
             <a:fld id="{0E88AB90-0D2D-461D-B22C-FF3F8B460DB8}" type="datetimeFigureOut">
               <a:rPr lang="zh-CN" altLang="en-US" smtClean="0"/>
-              <a:t>2021/4/27</a:t>
+              <a:t>2021/4/28</a:t>
             </a:fld>
             <a:endParaRPr lang="zh-CN" altLang="en-US"/>
           </a:p>
@@ -2566,7 +2568,7 @@
           <a:p>
             <a:fld id="{0E88AB90-0D2D-461D-B22C-FF3F8B460DB8}" type="datetimeFigureOut">
               <a:rPr lang="zh-CN" altLang="en-US" smtClean="0"/>
-              <a:t>2021/4/27</a:t>
+              <a:t>2021/4/28</a:t>
             </a:fld>
             <a:endParaRPr lang="zh-CN" altLang="en-US"/>
           </a:p>
@@ -3892,6 +3894,583 @@
 </p:sld>
 </file>
 
+<file path=ppt/slides/slide2.xml><?xml version="1.0" encoding="utf-8"?>
+<p:sld xmlns:a="http://schemas.openxmlformats.org/drawingml/2006/main" xmlns:r="http://schemas.openxmlformats.org/officeDocument/2006/relationships" xmlns:p="http://schemas.openxmlformats.org/presentationml/2006/main">
+  <p:cSld>
+    <p:spTree>
+      <p:nvGrpSpPr>
+        <p:cNvPr id="1" name=""/>
+        <p:cNvGrpSpPr/>
+        <p:nvPr/>
+      </p:nvGrpSpPr>
+      <p:grpSpPr>
+        <a:xfrm>
+          <a:off x="0" y="0"/>
+          <a:ext cx="0" cy="0"/>
+          <a:chOff x="0" y="0"/>
+          <a:chExt cx="0" cy="0"/>
+        </a:xfrm>
+      </p:grpSpPr>
+      <p:pic>
+        <p:nvPicPr>
+          <p:cNvPr id="5" name="图片 4">
+            <a:extLst>
+              <a:ext uri="{FF2B5EF4-FFF2-40B4-BE49-F238E27FC236}">
+                <a16:creationId xmlns:a16="http://schemas.microsoft.com/office/drawing/2014/main" id="{DF4C5B12-4A67-45C4-B8DB-793F08EC97D5}"/>
+              </a:ext>
+            </a:extLst>
+          </p:cNvPr>
+          <p:cNvPicPr>
+            <a:picLocks noChangeAspect="1"/>
+          </p:cNvPicPr>
+          <p:nvPr/>
+        </p:nvPicPr>
+        <p:blipFill>
+          <a:blip r:embed="rId2"/>
+          <a:stretch>
+            <a:fillRect/>
+          </a:stretch>
+        </p:blipFill>
+        <p:spPr>
+          <a:xfrm>
+            <a:off x="-1" y="3193929"/>
+            <a:ext cx="10800000" cy="6653089"/>
+          </a:xfrm>
+          <a:prstGeom prst="rect">
+            <a:avLst/>
+          </a:prstGeom>
+        </p:spPr>
+      </p:pic>
+      <p:sp>
+        <p:nvSpPr>
+          <p:cNvPr id="9" name="文本框 8">
+            <a:extLst>
+              <a:ext uri="{FF2B5EF4-FFF2-40B4-BE49-F238E27FC236}">
+                <a16:creationId xmlns:a16="http://schemas.microsoft.com/office/drawing/2014/main" id="{2D158475-CF7E-4C70-894A-4CAC9D735386}"/>
+              </a:ext>
+            </a:extLst>
+          </p:cNvPr>
+          <p:cNvSpPr txBox="1"/>
+          <p:nvPr/>
+        </p:nvSpPr>
+        <p:spPr>
+          <a:xfrm>
+            <a:off x="8730584" y="6244227"/>
+            <a:ext cx="4463081" cy="1015663"/>
+          </a:xfrm>
+          <a:prstGeom prst="rect">
+            <a:avLst/>
+          </a:prstGeom>
+          <a:noFill/>
+        </p:spPr>
+        <p:txBody>
+          <a:bodyPr wrap="none" rtlCol="0">
+            <a:spAutoFit/>
+          </a:bodyPr>
+          <a:lstStyle/>
+          <a:p>
+            <a:r>
+              <a:rPr lang="en-US" altLang="zh-CN" sz="2000" dirty="0"/>
+              <a:t>Define structured weights for E2E conns.</a:t>
+            </a:r>
+          </a:p>
+          <a:p>
+            <a:r>
+              <a:rPr lang="en-US" altLang="zh-CN" sz="2000" dirty="0"/>
+              <a:t>Strong connection inside selective group,</a:t>
+            </a:r>
+          </a:p>
+          <a:p>
+            <a:r>
+              <a:rPr lang="en-US" altLang="zh-CN" sz="2000" dirty="0"/>
+              <a:t>weak connection for other synapses.</a:t>
+            </a:r>
+          </a:p>
+        </p:txBody>
+      </p:sp>
+      <p:pic>
+        <p:nvPicPr>
+          <p:cNvPr id="11" name="图片 10">
+            <a:extLst>
+              <a:ext uri="{FF2B5EF4-FFF2-40B4-BE49-F238E27FC236}">
+                <a16:creationId xmlns:a16="http://schemas.microsoft.com/office/drawing/2014/main" id="{FA7A6E4E-6A8A-40D2-8017-6AA8785D3596}"/>
+              </a:ext>
+            </a:extLst>
+          </p:cNvPr>
+          <p:cNvPicPr>
+            <a:picLocks noChangeAspect="1"/>
+          </p:cNvPicPr>
+          <p:nvPr/>
+        </p:nvPicPr>
+        <p:blipFill>
+          <a:blip r:embed="rId3">
+            <a:extLst>
+              <a:ext uri="{28A0092B-C50C-407E-A947-70E740481C1C}">
+                <a14:useLocalDpi xmlns:a14="http://schemas.microsoft.com/office/drawing/2010/main" val="0"/>
+              </a:ext>
+            </a:extLst>
+          </a:blip>
+          <a:stretch>
+            <a:fillRect/>
+          </a:stretch>
+        </p:blipFill>
+        <p:spPr>
+          <a:xfrm>
+            <a:off x="9239216" y="7358504"/>
+            <a:ext cx="3121565" cy="1881900"/>
+          </a:xfrm>
+          <a:prstGeom prst="rect">
+            <a:avLst/>
+          </a:prstGeom>
+        </p:spPr>
+      </p:pic>
+      <p:sp>
+        <p:nvSpPr>
+          <p:cNvPr id="12" name="右大括号 11">
+            <a:extLst>
+              <a:ext uri="{FF2B5EF4-FFF2-40B4-BE49-F238E27FC236}">
+                <a16:creationId xmlns:a16="http://schemas.microsoft.com/office/drawing/2014/main" id="{14CF993D-7D64-48AD-AA4A-C433870FE8A2}"/>
+              </a:ext>
+            </a:extLst>
+          </p:cNvPr>
+          <p:cNvSpPr/>
+          <p:nvPr/>
+        </p:nvSpPr>
+        <p:spPr>
+          <a:xfrm>
+            <a:off x="8327908" y="5930900"/>
+            <a:ext cx="216000" cy="3073400"/>
+          </a:xfrm>
+          <a:prstGeom prst="rightBrace">
+            <a:avLst/>
+          </a:prstGeom>
+        </p:spPr>
+        <p:style>
+          <a:lnRef idx="1">
+            <a:schemeClr val="dk1"/>
+          </a:lnRef>
+          <a:fillRef idx="0">
+            <a:schemeClr val="dk1"/>
+          </a:fillRef>
+          <a:effectRef idx="0">
+            <a:schemeClr val="dk1"/>
+          </a:effectRef>
+          <a:fontRef idx="minor">
+            <a:schemeClr val="tx1"/>
+          </a:fontRef>
+        </p:style>
+        <p:txBody>
+          <a:bodyPr rtlCol="0" anchor="ctr"/>
+          <a:lstStyle/>
+          <a:p>
+            <a:pPr algn="ctr"/>
+            <a:endParaRPr lang="zh-CN" altLang="en-US"/>
+          </a:p>
+        </p:txBody>
+      </p:sp>
+      <p:sp>
+        <p:nvSpPr>
+          <p:cNvPr id="13" name="右大括号 12">
+            <a:extLst>
+              <a:ext uri="{FF2B5EF4-FFF2-40B4-BE49-F238E27FC236}">
+                <a16:creationId xmlns:a16="http://schemas.microsoft.com/office/drawing/2014/main" id="{D584116D-024F-41B4-BF7B-4DBB183F7EB6}"/>
+              </a:ext>
+            </a:extLst>
+          </p:cNvPr>
+          <p:cNvSpPr/>
+          <p:nvPr/>
+        </p:nvSpPr>
+        <p:spPr>
+          <a:xfrm>
+            <a:off x="8327908" y="3678658"/>
+            <a:ext cx="216000" cy="626642"/>
+          </a:xfrm>
+          <a:prstGeom prst="rightBrace">
+            <a:avLst/>
+          </a:prstGeom>
+        </p:spPr>
+        <p:style>
+          <a:lnRef idx="1">
+            <a:schemeClr val="dk1"/>
+          </a:lnRef>
+          <a:fillRef idx="0">
+            <a:schemeClr val="dk1"/>
+          </a:fillRef>
+          <a:effectRef idx="0">
+            <a:schemeClr val="dk1"/>
+          </a:effectRef>
+          <a:fontRef idx="minor">
+            <a:schemeClr val="tx1"/>
+          </a:fontRef>
+        </p:style>
+        <p:txBody>
+          <a:bodyPr rtlCol="0" anchor="ctr"/>
+          <a:lstStyle/>
+          <a:p>
+            <a:pPr algn="ctr"/>
+            <a:endParaRPr lang="zh-CN" altLang="en-US"/>
+          </a:p>
+        </p:txBody>
+      </p:sp>
+      <mc:AlternateContent xmlns:mc="http://schemas.openxmlformats.org/markup-compatibility/2006">
+        <mc:Choice xmlns:a14="http://schemas.microsoft.com/office/drawing/2010/main" Requires="a14">
+          <p:sp>
+            <p:nvSpPr>
+              <p:cNvPr id="14" name="文本框 13">
+                <a:extLst>
+                  <a:ext uri="{FF2B5EF4-FFF2-40B4-BE49-F238E27FC236}">
+                    <a16:creationId xmlns:a16="http://schemas.microsoft.com/office/drawing/2014/main" id="{C9E0EC2C-6A96-401A-8155-8E6D40969165}"/>
+                  </a:ext>
+                </a:extLst>
+              </p:cNvPr>
+              <p:cNvSpPr txBox="1"/>
+              <p:nvPr/>
+            </p:nvSpPr>
+            <p:spPr>
+              <a:xfrm>
+                <a:off x="8688351" y="3597414"/>
+                <a:ext cx="1345432" cy="400110"/>
+              </a:xfrm>
+              <a:prstGeom prst="rect">
+                <a:avLst/>
+              </a:prstGeom>
+              <a:noFill/>
+            </p:spPr>
+            <p:txBody>
+              <a:bodyPr wrap="none" rtlCol="0">
+                <a:spAutoFit/>
+              </a:bodyPr>
+              <a:lstStyle/>
+              <a:p>
+                <a14:m>
+                  <m:oMathPara xmlns:m="http://schemas.openxmlformats.org/officeDocument/2006/math">
+                    <m:oMathParaPr>
+                      <m:jc m:val="centerGroup"/>
+                    </m:oMathParaPr>
+                    <m:oMath xmlns:m="http://schemas.openxmlformats.org/officeDocument/2006/math">
+                      <m:r>
+                        <a:rPr lang="en-US" altLang="zh-CN" sz="2000" b="0" i="1" dirty="0" smtClean="0">
+                          <a:latin typeface="Cambria Math" panose="02040503050406030204" pitchFamily="18" charset="0"/>
+                        </a:rPr>
+                        <m:t>𝑤</m:t>
+                      </m:r>
+                      <m:r>
+                        <a:rPr lang="en-US" altLang="zh-CN" sz="2000" i="1" dirty="0" smtClean="0">
+                          <a:latin typeface="Cambria Math" panose="02040503050406030204" pitchFamily="18" charset="0"/>
+                        </a:rPr>
+                        <m:t>+</m:t>
+                      </m:r>
+                      <m:r>
+                        <a:rPr lang="en-US" altLang="zh-CN" sz="2000" b="0" i="1" dirty="0" smtClean="0">
+                          <a:latin typeface="Cambria Math" panose="02040503050406030204" pitchFamily="18" charset="0"/>
+                        </a:rPr>
+                        <m:t> </m:t>
+                      </m:r>
+                      <m:r>
+                        <a:rPr lang="en-US" altLang="zh-CN" sz="2000" i="1" dirty="0" smtClean="0">
+                          <a:latin typeface="Cambria Math" panose="02040503050406030204" pitchFamily="18" charset="0"/>
+                        </a:rPr>
+                        <m:t>=</m:t>
+                      </m:r>
+                      <m:r>
+                        <a:rPr lang="zh-CN" altLang="en-US" sz="2000" i="1" dirty="0" smtClean="0">
+                          <a:latin typeface="Cambria Math" panose="02040503050406030204" pitchFamily="18" charset="0"/>
+                        </a:rPr>
+                        <m:t> </m:t>
+                      </m:r>
+                      <m:r>
+                        <a:rPr lang="en-US" altLang="zh-CN" sz="2000" i="1" dirty="0" smtClean="0">
+                          <a:latin typeface="Cambria Math" panose="02040503050406030204" pitchFamily="18" charset="0"/>
+                        </a:rPr>
+                        <m:t>1.7</m:t>
+                      </m:r>
+                    </m:oMath>
+                  </m:oMathPara>
+                </a14:m>
+                <a:endParaRPr lang="en-US" altLang="zh-CN" sz="2000" dirty="0"/>
+              </a:p>
+            </p:txBody>
+          </p:sp>
+        </mc:Choice>
+        <mc:Fallback>
+          <p:sp>
+            <p:nvSpPr>
+              <p:cNvPr id="14" name="文本框 13">
+                <a:extLst>
+                  <a:ext uri="{FF2B5EF4-FFF2-40B4-BE49-F238E27FC236}">
+                    <a16:creationId xmlns:a16="http://schemas.microsoft.com/office/drawing/2014/main" id="{C9E0EC2C-6A96-401A-8155-8E6D40969165}"/>
+                  </a:ext>
+                </a:extLst>
+              </p:cNvPr>
+              <p:cNvSpPr txBox="1">
+                <a:spLocks noRot="1" noChangeAspect="1" noMove="1" noResize="1" noEditPoints="1" noAdjustHandles="1" noChangeArrowheads="1" noChangeShapeType="1" noTextEdit="1"/>
+              </p:cNvSpPr>
+              <p:nvPr/>
+            </p:nvSpPr>
+            <p:spPr>
+              <a:xfrm>
+                <a:off x="8688351" y="3597414"/>
+                <a:ext cx="1345432" cy="400110"/>
+              </a:xfrm>
+              <a:prstGeom prst="rect">
+                <a:avLst/>
+              </a:prstGeom>
+              <a:blipFill>
+                <a:blip r:embed="rId4"/>
+                <a:stretch>
+                  <a:fillRect/>
+                </a:stretch>
+              </a:blipFill>
+            </p:spPr>
+            <p:txBody>
+              <a:bodyPr/>
+              <a:lstStyle/>
+              <a:p>
+                <a:r>
+                  <a:rPr lang="zh-CN" altLang="en-US">
+                    <a:noFill/>
+                  </a:rPr>
+                  <a:t> </a:t>
+                </a:r>
+              </a:p>
+            </p:txBody>
+          </p:sp>
+        </mc:Fallback>
+      </mc:AlternateContent>
+      <mc:AlternateContent xmlns:mc="http://schemas.openxmlformats.org/markup-compatibility/2006">
+        <mc:Choice xmlns:a14="http://schemas.microsoft.com/office/drawing/2010/main" Requires="a14">
+          <p:sp>
+            <p:nvSpPr>
+              <p:cNvPr id="15" name="文本框 14">
+                <a:extLst>
+                  <a:ext uri="{FF2B5EF4-FFF2-40B4-BE49-F238E27FC236}">
+                    <a16:creationId xmlns:a16="http://schemas.microsoft.com/office/drawing/2014/main" id="{D2556E83-03AB-4335-91D7-4DC7610D8BE0}"/>
+                  </a:ext>
+                </a:extLst>
+              </p:cNvPr>
+              <p:cNvSpPr txBox="1"/>
+              <p:nvPr/>
+            </p:nvSpPr>
+            <p:spPr>
+              <a:xfrm>
+                <a:off x="8692484" y="3937000"/>
+                <a:ext cx="3324436" cy="400110"/>
+              </a:xfrm>
+              <a:prstGeom prst="rect">
+                <a:avLst/>
+              </a:prstGeom>
+              <a:noFill/>
+            </p:spPr>
+            <p:txBody>
+              <a:bodyPr wrap="none" rtlCol="0">
+                <a:spAutoFit/>
+              </a:bodyPr>
+              <a:lstStyle/>
+              <a:p>
+                <a14:m>
+                  <m:oMathPara xmlns:m="http://schemas.openxmlformats.org/officeDocument/2006/math">
+                    <m:oMathParaPr>
+                      <m:jc m:val="centerGroup"/>
+                    </m:oMathParaPr>
+                    <m:oMath xmlns:m="http://schemas.openxmlformats.org/officeDocument/2006/math">
+                      <m:r>
+                        <a:rPr lang="en-US" altLang="zh-CN" sz="2000" i="1" dirty="0" smtClean="0">
+                          <a:latin typeface="Cambria Math" panose="02040503050406030204" pitchFamily="18" charset="0"/>
+                        </a:rPr>
+                        <m:t>𝑤</m:t>
+                      </m:r>
+                      <m:r>
+                        <a:rPr lang="en-US" altLang="zh-CN" sz="2000" i="1" dirty="0" smtClean="0">
+                          <a:latin typeface="Cambria Math" panose="02040503050406030204" pitchFamily="18" charset="0"/>
+                        </a:rPr>
+                        <m:t>− = 1−</m:t>
+                      </m:r>
+                      <m:r>
+                        <a:rPr lang="en-US" altLang="zh-CN" sz="2000" i="1" dirty="0" smtClean="0">
+                          <a:latin typeface="Cambria Math" panose="02040503050406030204" pitchFamily="18" charset="0"/>
+                        </a:rPr>
+                        <m:t>𝑓</m:t>
+                      </m:r>
+                      <m:r>
+                        <a:rPr lang="en-US" altLang="zh-CN" sz="2000" i="1" dirty="0" smtClean="0">
+                          <a:latin typeface="Cambria Math" panose="02040503050406030204" pitchFamily="18" charset="0"/>
+                        </a:rPr>
+                        <m:t>(</m:t>
+                      </m:r>
+                      <m:r>
+                        <a:rPr lang="en-US" altLang="zh-CN" sz="2000" i="1" dirty="0" smtClean="0">
+                          <a:latin typeface="Cambria Math" panose="02040503050406030204" pitchFamily="18" charset="0"/>
+                        </a:rPr>
+                        <m:t>𝑥</m:t>
+                      </m:r>
+                      <m:r>
+                        <a:rPr lang="en-US" altLang="zh-CN" sz="2000" i="1" dirty="0" smtClean="0">
+                          <a:latin typeface="Cambria Math" panose="02040503050406030204" pitchFamily="18" charset="0"/>
+                        </a:rPr>
+                        <m:t>+−1)/1−</m:t>
+                      </m:r>
+                      <m:r>
+                        <a:rPr lang="en-US" altLang="zh-CN" sz="2000" i="1" dirty="0" smtClean="0">
+                          <a:latin typeface="Cambria Math" panose="02040503050406030204" pitchFamily="18" charset="0"/>
+                        </a:rPr>
+                        <m:t>𝑓</m:t>
+                      </m:r>
+                    </m:oMath>
+                  </m:oMathPara>
+                </a14:m>
+                <a:endParaRPr lang="zh-CN" altLang="en-US" sz="2000" dirty="0"/>
+              </a:p>
+            </p:txBody>
+          </p:sp>
+        </mc:Choice>
+        <mc:Fallback>
+          <p:sp>
+            <p:nvSpPr>
+              <p:cNvPr id="15" name="文本框 14">
+                <a:extLst>
+                  <a:ext uri="{FF2B5EF4-FFF2-40B4-BE49-F238E27FC236}">
+                    <a16:creationId xmlns:a16="http://schemas.microsoft.com/office/drawing/2014/main" id="{D2556E83-03AB-4335-91D7-4DC7610D8BE0}"/>
+                  </a:ext>
+                </a:extLst>
+              </p:cNvPr>
+              <p:cNvSpPr txBox="1">
+                <a:spLocks noRot="1" noChangeAspect="1" noMove="1" noResize="1" noEditPoints="1" noAdjustHandles="1" noChangeArrowheads="1" noChangeShapeType="1" noTextEdit="1"/>
+              </p:cNvSpPr>
+              <p:nvPr/>
+            </p:nvSpPr>
+            <p:spPr>
+              <a:xfrm>
+                <a:off x="8692484" y="3937000"/>
+                <a:ext cx="3324436" cy="400110"/>
+              </a:xfrm>
+              <a:prstGeom prst="rect">
+                <a:avLst/>
+              </a:prstGeom>
+              <a:blipFill>
+                <a:blip r:embed="rId5"/>
+                <a:stretch>
+                  <a:fillRect b="-15385"/>
+                </a:stretch>
+              </a:blipFill>
+            </p:spPr>
+            <p:txBody>
+              <a:bodyPr/>
+              <a:lstStyle/>
+              <a:p>
+                <a:r>
+                  <a:rPr lang="zh-CN" altLang="en-US">
+                    <a:noFill/>
+                  </a:rPr>
+                  <a:t> </a:t>
+                </a:r>
+              </a:p>
+            </p:txBody>
+          </p:sp>
+        </mc:Fallback>
+      </mc:AlternateContent>
+    </p:spTree>
+    <p:extLst>
+      <p:ext uri="{BB962C8B-B14F-4D97-AF65-F5344CB8AC3E}">
+        <p14:creationId xmlns:p14="http://schemas.microsoft.com/office/powerpoint/2010/main" val="2076652625"/>
+      </p:ext>
+    </p:extLst>
+  </p:cSld>
+  <p:clrMapOvr>
+    <a:masterClrMapping/>
+  </p:clrMapOvr>
+</p:sld>
+</file>
+
+<file path=ppt/slides/slide3.xml><?xml version="1.0" encoding="utf-8"?>
+<p:sld xmlns:a="http://schemas.openxmlformats.org/drawingml/2006/main" xmlns:r="http://schemas.openxmlformats.org/officeDocument/2006/relationships" xmlns:p="http://schemas.openxmlformats.org/presentationml/2006/main">
+  <p:cSld>
+    <p:spTree>
+      <p:nvGrpSpPr>
+        <p:cNvPr id="1" name=""/>
+        <p:cNvGrpSpPr/>
+        <p:nvPr/>
+      </p:nvGrpSpPr>
+      <p:grpSpPr>
+        <a:xfrm>
+          <a:off x="0" y="0"/>
+          <a:ext cx="0" cy="0"/>
+          <a:chOff x="0" y="0"/>
+          <a:chExt cx="0" cy="0"/>
+        </a:xfrm>
+      </p:grpSpPr>
+      <p:pic>
+        <p:nvPicPr>
+          <p:cNvPr id="7" name="图片 6">
+            <a:extLst>
+              <a:ext uri="{FF2B5EF4-FFF2-40B4-BE49-F238E27FC236}">
+                <a16:creationId xmlns:a16="http://schemas.microsoft.com/office/drawing/2014/main" id="{E83737BD-E8E0-4099-A9DF-33ABFAFA2E45}"/>
+              </a:ext>
+            </a:extLst>
+          </p:cNvPr>
+          <p:cNvPicPr>
+            <a:picLocks noChangeAspect="1"/>
+          </p:cNvPicPr>
+          <p:nvPr/>
+        </p:nvPicPr>
+        <p:blipFill>
+          <a:blip r:embed="rId2"/>
+          <a:stretch>
+            <a:fillRect/>
+          </a:stretch>
+        </p:blipFill>
+        <p:spPr>
+          <a:xfrm>
+            <a:off x="0" y="3054106"/>
+            <a:ext cx="10800000" cy="14228572"/>
+          </a:xfrm>
+          <a:prstGeom prst="rect">
+            <a:avLst/>
+          </a:prstGeom>
+        </p:spPr>
+      </p:pic>
+      <p:pic>
+        <p:nvPicPr>
+          <p:cNvPr id="5" name="图片 4">
+            <a:extLst>
+              <a:ext uri="{FF2B5EF4-FFF2-40B4-BE49-F238E27FC236}">
+                <a16:creationId xmlns:a16="http://schemas.microsoft.com/office/drawing/2014/main" id="{6D411E73-58CE-4700-BABC-585ECA5D962B}"/>
+              </a:ext>
+            </a:extLst>
+          </p:cNvPr>
+          <p:cNvPicPr>
+            <a:picLocks noChangeAspect="1"/>
+          </p:cNvPicPr>
+          <p:nvPr/>
+        </p:nvPicPr>
+        <p:blipFill>
+          <a:blip r:embed="rId3"/>
+          <a:stretch>
+            <a:fillRect/>
+          </a:stretch>
+        </p:blipFill>
+        <p:spPr>
+          <a:xfrm>
+            <a:off x="7848601" y="6919878"/>
+            <a:ext cx="5312990" cy="3248514"/>
+          </a:xfrm>
+          <a:prstGeom prst="rect">
+            <a:avLst/>
+          </a:prstGeom>
+        </p:spPr>
+      </p:pic>
+    </p:spTree>
+    <p:extLst>
+      <p:ext uri="{BB962C8B-B14F-4D97-AF65-F5344CB8AC3E}">
+        <p14:creationId xmlns:p14="http://schemas.microsoft.com/office/powerpoint/2010/main" val="1001520809"/>
+      </p:ext>
+    </p:extLst>
+  </p:cSld>
+  <p:clrMapOvr>
+    <a:masterClrMapping/>
+  </p:clrMapOvr>
+</p:sld>
+</file>
+
 <file path=ppt/theme/theme1.xml><?xml version="1.0" encoding="utf-8"?>
 <a:theme xmlns:a="http://schemas.openxmlformats.org/drawingml/2006/main" name="Office 主题​​">
   <a:themeElements>

--- a/docs/brainpy_handbook/ppt/snns.pptx
+++ b/docs/brainpy_handbook/ppt/snns.pptx
@@ -8,6 +8,9 @@
     <p:sldId id="277" r:id="rId2"/>
     <p:sldId id="278" r:id="rId3"/>
     <p:sldId id="279" r:id="rId4"/>
+    <p:sldId id="280" r:id="rId5"/>
+    <p:sldId id="281" r:id="rId6"/>
+    <p:sldId id="282" r:id="rId7"/>
   </p:sldIdLst>
   <p:sldSz cx="13716000" cy="18288000"/>
   <p:notesSz cx="6858000" cy="9144000"/>
@@ -245,7 +248,7 @@
           <a:p>
             <a:fld id="{0E88AB90-0D2D-461D-B22C-FF3F8B460DB8}" type="datetimeFigureOut">
               <a:rPr lang="zh-CN" altLang="en-US" smtClean="0"/>
-              <a:t>2021/4/28</a:t>
+              <a:t>2021/4/29</a:t>
             </a:fld>
             <a:endParaRPr lang="zh-CN" altLang="en-US"/>
           </a:p>
@@ -415,7 +418,7 @@
           <a:p>
             <a:fld id="{0E88AB90-0D2D-461D-B22C-FF3F8B460DB8}" type="datetimeFigureOut">
               <a:rPr lang="zh-CN" altLang="en-US" smtClean="0"/>
-              <a:t>2021/4/28</a:t>
+              <a:t>2021/4/29</a:t>
             </a:fld>
             <a:endParaRPr lang="zh-CN" altLang="en-US"/>
           </a:p>
@@ -595,7 +598,7 @@
           <a:p>
             <a:fld id="{0E88AB90-0D2D-461D-B22C-FF3F8B460DB8}" type="datetimeFigureOut">
               <a:rPr lang="zh-CN" altLang="en-US" smtClean="0"/>
-              <a:t>2021/4/28</a:t>
+              <a:t>2021/4/29</a:t>
             </a:fld>
             <a:endParaRPr lang="zh-CN" altLang="en-US"/>
           </a:p>
@@ -765,7 +768,7 @@
           <a:p>
             <a:fld id="{0E88AB90-0D2D-461D-B22C-FF3F8B460DB8}" type="datetimeFigureOut">
               <a:rPr lang="zh-CN" altLang="en-US" smtClean="0"/>
-              <a:t>2021/4/28</a:t>
+              <a:t>2021/4/29</a:t>
             </a:fld>
             <a:endParaRPr lang="zh-CN" altLang="en-US"/>
           </a:p>
@@ -1009,7 +1012,7 @@
           <a:p>
             <a:fld id="{0E88AB90-0D2D-461D-B22C-FF3F8B460DB8}" type="datetimeFigureOut">
               <a:rPr lang="zh-CN" altLang="en-US" smtClean="0"/>
-              <a:t>2021/4/28</a:t>
+              <a:t>2021/4/29</a:t>
             </a:fld>
             <a:endParaRPr lang="zh-CN" altLang="en-US"/>
           </a:p>
@@ -1241,7 +1244,7 @@
           <a:p>
             <a:fld id="{0E88AB90-0D2D-461D-B22C-FF3F8B460DB8}" type="datetimeFigureOut">
               <a:rPr lang="zh-CN" altLang="en-US" smtClean="0"/>
-              <a:t>2021/4/28</a:t>
+              <a:t>2021/4/29</a:t>
             </a:fld>
             <a:endParaRPr lang="zh-CN" altLang="en-US"/>
           </a:p>
@@ -1608,7 +1611,7 @@
           <a:p>
             <a:fld id="{0E88AB90-0D2D-461D-B22C-FF3F8B460DB8}" type="datetimeFigureOut">
               <a:rPr lang="zh-CN" altLang="en-US" smtClean="0"/>
-              <a:t>2021/4/28</a:t>
+              <a:t>2021/4/29</a:t>
             </a:fld>
             <a:endParaRPr lang="zh-CN" altLang="en-US"/>
           </a:p>
@@ -1726,7 +1729,7 @@
           <a:p>
             <a:fld id="{0E88AB90-0D2D-461D-B22C-FF3F8B460DB8}" type="datetimeFigureOut">
               <a:rPr lang="zh-CN" altLang="en-US" smtClean="0"/>
-              <a:t>2021/4/28</a:t>
+              <a:t>2021/4/29</a:t>
             </a:fld>
             <a:endParaRPr lang="zh-CN" altLang="en-US"/>
           </a:p>
@@ -1821,7 +1824,7 @@
           <a:p>
             <a:fld id="{0E88AB90-0D2D-461D-B22C-FF3F8B460DB8}" type="datetimeFigureOut">
               <a:rPr lang="zh-CN" altLang="en-US" smtClean="0"/>
-              <a:t>2021/4/28</a:t>
+              <a:t>2021/4/29</a:t>
             </a:fld>
             <a:endParaRPr lang="zh-CN" altLang="en-US"/>
           </a:p>
@@ -2098,7 +2101,7 @@
           <a:p>
             <a:fld id="{0E88AB90-0D2D-461D-B22C-FF3F8B460DB8}" type="datetimeFigureOut">
               <a:rPr lang="zh-CN" altLang="en-US" smtClean="0"/>
-              <a:t>2021/4/28</a:t>
+              <a:t>2021/4/29</a:t>
             </a:fld>
             <a:endParaRPr lang="zh-CN" altLang="en-US"/>
           </a:p>
@@ -2355,7 +2358,7 @@
           <a:p>
             <a:fld id="{0E88AB90-0D2D-461D-B22C-FF3F8B460DB8}" type="datetimeFigureOut">
               <a:rPr lang="zh-CN" altLang="en-US" smtClean="0"/>
-              <a:t>2021/4/28</a:t>
+              <a:t>2021/4/29</a:t>
             </a:fld>
             <a:endParaRPr lang="zh-CN" altLang="en-US"/>
           </a:p>
@@ -2568,7 +2571,7 @@
           <a:p>
             <a:fld id="{0E88AB90-0D2D-461D-B22C-FF3F8B460DB8}" type="datetimeFigureOut">
               <a:rPr lang="zh-CN" altLang="en-US" smtClean="0"/>
-              <a:t>2021/4/28</a:t>
+              <a:t>2021/4/29</a:t>
             </a:fld>
             <a:endParaRPr lang="zh-CN" altLang="en-US"/>
           </a:p>
@@ -4112,8 +4115,8 @@
           </a:p>
         </p:txBody>
       </p:sp>
-      <mc:AlternateContent xmlns:mc="http://schemas.openxmlformats.org/markup-compatibility/2006">
-        <mc:Choice xmlns:a14="http://schemas.microsoft.com/office/drawing/2010/main" Requires="a14">
+      <mc:AlternateContent xmlns:mc="http://schemas.openxmlformats.org/markup-compatibility/2006" xmlns:a14="http://schemas.microsoft.com/office/drawing/2010/main">
+        <mc:Choice Requires="a14">
           <p:sp>
             <p:nvSpPr>
               <p:cNvPr id="14" name="文本框 13">
@@ -4142,6 +4145,7 @@
               </a:bodyPr>
               <a:lstStyle/>
               <a:p>
+                <a:pPr/>
                 <a14:m>
                   <m:oMathPara xmlns:m="http://schemas.openxmlformats.org/officeDocument/2006/math">
                     <m:oMathParaPr>
@@ -4192,7 +4196,7 @@
             </p:txBody>
           </p:sp>
         </mc:Choice>
-        <mc:Fallback>
+        <mc:Fallback xmlns="">
           <p:sp>
             <p:nvSpPr>
               <p:cNvPr id="14" name="文本框 13">
@@ -4237,8 +4241,8 @@
           </p:sp>
         </mc:Fallback>
       </mc:AlternateContent>
-      <mc:AlternateContent xmlns:mc="http://schemas.openxmlformats.org/markup-compatibility/2006">
-        <mc:Choice xmlns:a14="http://schemas.microsoft.com/office/drawing/2010/main" Requires="a14">
+      <mc:AlternateContent xmlns:mc="http://schemas.openxmlformats.org/markup-compatibility/2006" xmlns:a14="http://schemas.microsoft.com/office/drawing/2010/main">
+        <mc:Choice Requires="a14">
           <p:sp>
             <p:nvSpPr>
               <p:cNvPr id="15" name="文本框 14">
@@ -4267,6 +4271,7 @@
               </a:bodyPr>
               <a:lstStyle/>
               <a:p>
+                <a:pPr/>
                 <a14:m>
                   <m:oMathPara xmlns:m="http://schemas.openxmlformats.org/officeDocument/2006/math">
                     <m:oMathParaPr>
@@ -4323,7 +4328,7 @@
             </p:txBody>
           </p:sp>
         </mc:Choice>
-        <mc:Fallback>
+        <mc:Fallback xmlns="">
           <p:sp>
             <p:nvSpPr>
               <p:cNvPr id="15" name="文本框 14">
@@ -4462,6 +4467,1051 @@
     <p:extLst>
       <p:ext uri="{BB962C8B-B14F-4D97-AF65-F5344CB8AC3E}">
         <p14:creationId xmlns:p14="http://schemas.microsoft.com/office/powerpoint/2010/main" val="1001520809"/>
+      </p:ext>
+    </p:extLst>
+  </p:cSld>
+  <p:clrMapOvr>
+    <a:masterClrMapping/>
+  </p:clrMapOvr>
+</p:sld>
+</file>
+
+<file path=ppt/slides/slide4.xml><?xml version="1.0" encoding="utf-8"?>
+<p:sld xmlns:a="http://schemas.openxmlformats.org/drawingml/2006/main" xmlns:r="http://schemas.openxmlformats.org/officeDocument/2006/relationships" xmlns:p="http://schemas.openxmlformats.org/presentationml/2006/main">
+  <p:cSld>
+    <p:spTree>
+      <p:nvGrpSpPr>
+        <p:cNvPr id="1" name=""/>
+        <p:cNvGrpSpPr/>
+        <p:nvPr/>
+      </p:nvGrpSpPr>
+      <p:grpSpPr>
+        <a:xfrm>
+          <a:off x="0" y="0"/>
+          <a:ext cx="0" cy="0"/>
+          <a:chOff x="0" y="0"/>
+          <a:chExt cx="0" cy="0"/>
+        </a:xfrm>
+      </p:grpSpPr>
+      <p:pic>
+        <p:nvPicPr>
+          <p:cNvPr id="7" name="图片 6">
+            <a:extLst>
+              <a:ext uri="{FF2B5EF4-FFF2-40B4-BE49-F238E27FC236}">
+                <a16:creationId xmlns:a16="http://schemas.microsoft.com/office/drawing/2014/main" id="{8977ABA7-AC50-41F4-AE65-E3CA1F493A0C}"/>
+              </a:ext>
+            </a:extLst>
+          </p:cNvPr>
+          <p:cNvPicPr>
+            <a:picLocks noChangeAspect="1"/>
+          </p:cNvPicPr>
+          <p:nvPr/>
+        </p:nvPicPr>
+        <p:blipFill>
+          <a:blip r:embed="rId2">
+            <a:extLst>
+              <a:ext uri="{28A0092B-C50C-407E-A947-70E740481C1C}">
+                <a14:useLocalDpi xmlns:a14="http://schemas.microsoft.com/office/drawing/2010/main" val="0"/>
+              </a:ext>
+            </a:extLst>
+          </a:blip>
+          <a:stretch>
+            <a:fillRect/>
+          </a:stretch>
+        </p:blipFill>
+        <p:spPr>
+          <a:xfrm>
+            <a:off x="0" y="3527214"/>
+            <a:ext cx="10800000" cy="11630075"/>
+          </a:xfrm>
+          <a:prstGeom prst="rect">
+            <a:avLst/>
+          </a:prstGeom>
+        </p:spPr>
+      </p:pic>
+      <p:sp>
+        <p:nvSpPr>
+          <p:cNvPr id="8" name="右大括号 7">
+            <a:extLst>
+              <a:ext uri="{FF2B5EF4-FFF2-40B4-BE49-F238E27FC236}">
+                <a16:creationId xmlns:a16="http://schemas.microsoft.com/office/drawing/2014/main" id="{F8045670-EA8E-4AB7-ADE1-AB7889AE7DFE}"/>
+              </a:ext>
+            </a:extLst>
+          </p:cNvPr>
+          <p:cNvSpPr/>
+          <p:nvPr/>
+        </p:nvSpPr>
+        <p:spPr>
+          <a:xfrm>
+            <a:off x="7294880" y="8318500"/>
+            <a:ext cx="216000" cy="508000"/>
+          </a:xfrm>
+          <a:prstGeom prst="rightBrace">
+            <a:avLst/>
+          </a:prstGeom>
+        </p:spPr>
+        <p:style>
+          <a:lnRef idx="1">
+            <a:schemeClr val="dk1"/>
+          </a:lnRef>
+          <a:fillRef idx="0">
+            <a:schemeClr val="dk1"/>
+          </a:fillRef>
+          <a:effectRef idx="0">
+            <a:schemeClr val="dk1"/>
+          </a:effectRef>
+          <a:fontRef idx="minor">
+            <a:schemeClr val="tx1"/>
+          </a:fontRef>
+        </p:style>
+        <p:txBody>
+          <a:bodyPr rtlCol="0" anchor="ctr"/>
+          <a:lstStyle/>
+          <a:p>
+            <a:pPr algn="ctr"/>
+            <a:endParaRPr lang="zh-CN" altLang="en-US"/>
+          </a:p>
+        </p:txBody>
+      </p:sp>
+      <p:sp>
+        <p:nvSpPr>
+          <p:cNvPr id="9" name="文本框 8">
+            <a:extLst>
+              <a:ext uri="{FF2B5EF4-FFF2-40B4-BE49-F238E27FC236}">
+                <a16:creationId xmlns:a16="http://schemas.microsoft.com/office/drawing/2014/main" id="{8E638DEA-DF34-4910-A52D-32175F9588B8}"/>
+              </a:ext>
+            </a:extLst>
+          </p:cNvPr>
+          <p:cNvSpPr txBox="1"/>
+          <p:nvPr/>
+        </p:nvSpPr>
+        <p:spPr>
+          <a:xfrm>
+            <a:off x="7645400" y="8372445"/>
+            <a:ext cx="5119478" cy="400110"/>
+          </a:xfrm>
+          <a:prstGeom prst="rect">
+            <a:avLst/>
+          </a:prstGeom>
+          <a:noFill/>
+        </p:spPr>
+        <p:txBody>
+          <a:bodyPr wrap="none" rtlCol="0">
+            <a:spAutoFit/>
+          </a:bodyPr>
+          <a:lstStyle/>
+          <a:p>
+            <a:r>
+              <a:rPr lang="en-US" altLang="zh-CN" sz="2000" dirty="0"/>
+              <a:t>Generate spikes with a given Poisson frequency.</a:t>
+            </a:r>
+            <a:endParaRPr lang="zh-CN" altLang="en-US" sz="2000" dirty="0"/>
+          </a:p>
+        </p:txBody>
+      </p:sp>
+      <p:sp>
+        <p:nvSpPr>
+          <p:cNvPr id="10" name="右大括号 9">
+            <a:extLst>
+              <a:ext uri="{FF2B5EF4-FFF2-40B4-BE49-F238E27FC236}">
+                <a16:creationId xmlns:a16="http://schemas.microsoft.com/office/drawing/2014/main" id="{772DAE7B-809C-4CE9-939F-4661A01D455D}"/>
+              </a:ext>
+            </a:extLst>
+          </p:cNvPr>
+          <p:cNvSpPr/>
+          <p:nvPr/>
+        </p:nvSpPr>
+        <p:spPr>
+          <a:xfrm>
+            <a:off x="9072880" y="9766300"/>
+            <a:ext cx="216000" cy="1295400"/>
+          </a:xfrm>
+          <a:prstGeom prst="rightBrace">
+            <a:avLst/>
+          </a:prstGeom>
+        </p:spPr>
+        <p:style>
+          <a:lnRef idx="1">
+            <a:schemeClr val="dk1"/>
+          </a:lnRef>
+          <a:fillRef idx="0">
+            <a:schemeClr val="dk1"/>
+          </a:fillRef>
+          <a:effectRef idx="0">
+            <a:schemeClr val="dk1"/>
+          </a:effectRef>
+          <a:fontRef idx="minor">
+            <a:schemeClr val="tx1"/>
+          </a:fontRef>
+        </p:style>
+        <p:txBody>
+          <a:bodyPr rtlCol="0" anchor="ctr"/>
+          <a:lstStyle/>
+          <a:p>
+            <a:pPr algn="ctr"/>
+            <a:endParaRPr lang="zh-CN" altLang="en-US"/>
+          </a:p>
+        </p:txBody>
+      </p:sp>
+      <p:sp>
+        <p:nvSpPr>
+          <p:cNvPr id="11" name="文本框 10">
+            <a:extLst>
+              <a:ext uri="{FF2B5EF4-FFF2-40B4-BE49-F238E27FC236}">
+                <a16:creationId xmlns:a16="http://schemas.microsoft.com/office/drawing/2014/main" id="{D8FD9E52-9428-4A03-8CDD-6CC2538DEE44}"/>
+              </a:ext>
+            </a:extLst>
+          </p:cNvPr>
+          <p:cNvSpPr txBox="1"/>
+          <p:nvPr/>
+        </p:nvSpPr>
+        <p:spPr>
+          <a:xfrm>
+            <a:off x="9385300" y="10013890"/>
+            <a:ext cx="4330700" cy="1015663"/>
+          </a:xfrm>
+          <a:prstGeom prst="rect">
+            <a:avLst/>
+          </a:prstGeom>
+          <a:noFill/>
+        </p:spPr>
+        <p:txBody>
+          <a:bodyPr wrap="square" rtlCol="0">
+            <a:spAutoFit/>
+          </a:bodyPr>
+          <a:lstStyle/>
+          <a:p>
+            <a:r>
+              <a:rPr lang="en-US" altLang="zh-CN" sz="2000" dirty="0"/>
+              <a:t>Define neurons that generate Poisson</a:t>
+            </a:r>
+          </a:p>
+          <a:p>
+            <a:r>
+              <a:rPr lang="en-US" altLang="zh-CN" sz="2000" dirty="0"/>
+              <a:t>background inputs for every neuron in the network.</a:t>
+            </a:r>
+            <a:endParaRPr lang="zh-CN" altLang="en-US" sz="2000" dirty="0"/>
+          </a:p>
+        </p:txBody>
+      </p:sp>
+      <p:sp>
+        <p:nvSpPr>
+          <p:cNvPr id="12" name="右大括号 11">
+            <a:extLst>
+              <a:ext uri="{FF2B5EF4-FFF2-40B4-BE49-F238E27FC236}">
+                <a16:creationId xmlns:a16="http://schemas.microsoft.com/office/drawing/2014/main" id="{9CDD4B94-EC44-4ECA-A200-04023804BB39}"/>
+              </a:ext>
+            </a:extLst>
+          </p:cNvPr>
+          <p:cNvSpPr/>
+          <p:nvPr/>
+        </p:nvSpPr>
+        <p:spPr>
+          <a:xfrm>
+            <a:off x="8628380" y="11676280"/>
+            <a:ext cx="216000" cy="3084506"/>
+          </a:xfrm>
+          <a:prstGeom prst="rightBrace">
+            <a:avLst/>
+          </a:prstGeom>
+        </p:spPr>
+        <p:style>
+          <a:lnRef idx="1">
+            <a:schemeClr val="dk1"/>
+          </a:lnRef>
+          <a:fillRef idx="0">
+            <a:schemeClr val="dk1"/>
+          </a:fillRef>
+          <a:effectRef idx="0">
+            <a:schemeClr val="dk1"/>
+          </a:effectRef>
+          <a:fontRef idx="minor">
+            <a:schemeClr val="tx1"/>
+          </a:fontRef>
+        </p:style>
+        <p:txBody>
+          <a:bodyPr rtlCol="0" anchor="ctr"/>
+          <a:lstStyle/>
+          <a:p>
+            <a:pPr algn="ctr"/>
+            <a:endParaRPr lang="zh-CN" altLang="en-US"/>
+          </a:p>
+        </p:txBody>
+      </p:sp>
+      <p:sp>
+        <p:nvSpPr>
+          <p:cNvPr id="13" name="文本框 12">
+            <a:extLst>
+              <a:ext uri="{FF2B5EF4-FFF2-40B4-BE49-F238E27FC236}">
+                <a16:creationId xmlns:a16="http://schemas.microsoft.com/office/drawing/2014/main" id="{306A1FEC-7620-46FC-9D15-C21707DC158D}"/>
+              </a:ext>
+            </a:extLst>
+          </p:cNvPr>
+          <p:cNvSpPr txBox="1"/>
+          <p:nvPr/>
+        </p:nvSpPr>
+        <p:spPr>
+          <a:xfrm>
+            <a:off x="8979898" y="12865326"/>
+            <a:ext cx="4736102" cy="707886"/>
+          </a:xfrm>
+          <a:prstGeom prst="rect">
+            <a:avLst/>
+          </a:prstGeom>
+          <a:noFill/>
+        </p:spPr>
+        <p:txBody>
+          <a:bodyPr wrap="square" rtlCol="0">
+            <a:spAutoFit/>
+          </a:bodyPr>
+          <a:lstStyle/>
+          <a:p>
+            <a:r>
+              <a:rPr lang="en-US" altLang="zh-CN" sz="2000" dirty="0"/>
+              <a:t>Define AMPA synapses that send the Poisson background inputs to the neurons.</a:t>
+            </a:r>
+            <a:endParaRPr lang="zh-CN" altLang="en-US" sz="2000" dirty="0"/>
+          </a:p>
+        </p:txBody>
+      </p:sp>
+    </p:spTree>
+    <p:extLst>
+      <p:ext uri="{BB962C8B-B14F-4D97-AF65-F5344CB8AC3E}">
+        <p14:creationId xmlns:p14="http://schemas.microsoft.com/office/powerpoint/2010/main" val="3329848498"/>
+      </p:ext>
+    </p:extLst>
+  </p:cSld>
+  <p:clrMapOvr>
+    <a:masterClrMapping/>
+  </p:clrMapOvr>
+</p:sld>
+</file>
+
+<file path=ppt/slides/slide5.xml><?xml version="1.0" encoding="utf-8"?>
+<p:sld xmlns:a="http://schemas.openxmlformats.org/drawingml/2006/main" xmlns:r="http://schemas.openxmlformats.org/officeDocument/2006/relationships" xmlns:p="http://schemas.openxmlformats.org/presentationml/2006/main">
+  <p:cSld>
+    <p:spTree>
+      <p:nvGrpSpPr>
+        <p:cNvPr id="1" name=""/>
+        <p:cNvGrpSpPr/>
+        <p:nvPr/>
+      </p:nvGrpSpPr>
+      <p:grpSpPr>
+        <a:xfrm>
+          <a:off x="0" y="0"/>
+          <a:ext cx="0" cy="0"/>
+          <a:chOff x="0" y="0"/>
+          <a:chExt cx="0" cy="0"/>
+        </a:xfrm>
+      </p:grpSpPr>
+      <p:pic>
+        <p:nvPicPr>
+          <p:cNvPr id="5" name="图片 4">
+            <a:extLst>
+              <a:ext uri="{FF2B5EF4-FFF2-40B4-BE49-F238E27FC236}">
+                <a16:creationId xmlns:a16="http://schemas.microsoft.com/office/drawing/2014/main" id="{E04C72CD-FB68-4F41-B4F7-5F8CE47002B7}"/>
+              </a:ext>
+            </a:extLst>
+          </p:cNvPr>
+          <p:cNvPicPr>
+            <a:picLocks noChangeAspect="1"/>
+          </p:cNvPicPr>
+          <p:nvPr/>
+        </p:nvPicPr>
+        <p:blipFill>
+          <a:blip r:embed="rId2">
+            <a:extLst>
+              <a:ext uri="{28A0092B-C50C-407E-A947-70E740481C1C}">
+                <a14:useLocalDpi xmlns:a14="http://schemas.microsoft.com/office/drawing/2010/main" val="0"/>
+              </a:ext>
+            </a:extLst>
+          </a:blip>
+          <a:stretch>
+            <a:fillRect/>
+          </a:stretch>
+        </p:blipFill>
+        <p:spPr>
+          <a:xfrm>
+            <a:off x="0" y="1521488"/>
+            <a:ext cx="10800000" cy="16389315"/>
+          </a:xfrm>
+          <a:prstGeom prst="rect">
+            <a:avLst/>
+          </a:prstGeom>
+        </p:spPr>
+      </p:pic>
+      <p:cxnSp>
+        <p:nvCxnSpPr>
+          <p:cNvPr id="7" name="连接符: 肘形 6">
+            <a:extLst>
+              <a:ext uri="{FF2B5EF4-FFF2-40B4-BE49-F238E27FC236}">
+                <a16:creationId xmlns:a16="http://schemas.microsoft.com/office/drawing/2014/main" id="{821E5D0F-C4BC-4C55-8D05-85FB2A73B0AE}"/>
+              </a:ext>
+            </a:extLst>
+          </p:cNvPr>
+          <p:cNvCxnSpPr/>
+          <p:nvPr/>
+        </p:nvCxnSpPr>
+        <p:spPr>
+          <a:xfrm flipV="1">
+            <a:off x="6045200" y="13893800"/>
+            <a:ext cx="1866900" cy="406400"/>
+          </a:xfrm>
+          <a:prstGeom prst="bentConnector3">
+            <a:avLst>
+              <a:gd name="adj1" fmla="val 340"/>
+            </a:avLst>
+          </a:prstGeom>
+          <a:ln>
+            <a:tailEnd type="triangle"/>
+          </a:ln>
+        </p:spPr>
+        <p:style>
+          <a:lnRef idx="1">
+            <a:schemeClr val="dk1"/>
+          </a:lnRef>
+          <a:fillRef idx="0">
+            <a:schemeClr val="dk1"/>
+          </a:fillRef>
+          <a:effectRef idx="0">
+            <a:schemeClr val="dk1"/>
+          </a:effectRef>
+          <a:fontRef idx="minor">
+            <a:schemeClr val="tx1"/>
+          </a:fontRef>
+        </p:style>
+      </p:cxnSp>
+      <p:sp>
+        <p:nvSpPr>
+          <p:cNvPr id="9" name="文本框 8">
+            <a:extLst>
+              <a:ext uri="{FF2B5EF4-FFF2-40B4-BE49-F238E27FC236}">
+                <a16:creationId xmlns:a16="http://schemas.microsoft.com/office/drawing/2014/main" id="{D6F821F1-D7DF-4520-9F21-27D62E1E197D}"/>
+              </a:ext>
+            </a:extLst>
+          </p:cNvPr>
+          <p:cNvSpPr txBox="1"/>
+          <p:nvPr/>
+        </p:nvSpPr>
+        <p:spPr>
+          <a:xfrm>
+            <a:off x="7912100" y="13539857"/>
+            <a:ext cx="4563429" cy="707886"/>
+          </a:xfrm>
+          <a:prstGeom prst="rect">
+            <a:avLst/>
+          </a:prstGeom>
+          <a:noFill/>
+        </p:spPr>
+        <p:txBody>
+          <a:bodyPr wrap="none" rtlCol="0">
+            <a:spAutoFit/>
+          </a:bodyPr>
+          <a:lstStyle/>
+          <a:p>
+            <a:r>
+              <a:rPr lang="en-US" altLang="zh-CN" sz="2000" dirty="0"/>
+              <a:t>Stimulus are only generated in simulation</a:t>
+            </a:r>
+          </a:p>
+          <a:p>
+            <a:r>
+              <a:rPr lang="en-US" altLang="zh-CN" sz="2000" dirty="0"/>
+              <a:t>between [</a:t>
+            </a:r>
+            <a:r>
+              <a:rPr lang="en-US" altLang="zh-CN" sz="2000" dirty="0" err="1"/>
+              <a:t>stim_start_t</a:t>
+            </a:r>
+            <a:r>
+              <a:rPr lang="en-US" altLang="zh-CN" sz="2000" dirty="0"/>
+              <a:t>, </a:t>
+            </a:r>
+            <a:r>
+              <a:rPr lang="en-US" altLang="zh-CN" sz="2000" dirty="0" err="1"/>
+              <a:t>stim_end_t</a:t>
+            </a:r>
+            <a:r>
+              <a:rPr lang="en-US" altLang="zh-CN" sz="2000" dirty="0"/>
+              <a:t>].</a:t>
+            </a:r>
+            <a:endParaRPr lang="zh-CN" altLang="en-US" sz="2000" dirty="0"/>
+          </a:p>
+        </p:txBody>
+      </p:sp>
+      <p:sp>
+        <p:nvSpPr>
+          <p:cNvPr id="12" name="文本框 11">
+            <a:extLst>
+              <a:ext uri="{FF2B5EF4-FFF2-40B4-BE49-F238E27FC236}">
+                <a16:creationId xmlns:a16="http://schemas.microsoft.com/office/drawing/2014/main" id="{A4484AD8-DC90-4E30-BC2A-2147EDB8A305}"/>
+              </a:ext>
+            </a:extLst>
+          </p:cNvPr>
+          <p:cNvSpPr txBox="1"/>
+          <p:nvPr/>
+        </p:nvSpPr>
+        <p:spPr>
+          <a:xfrm>
+            <a:off x="10056257" y="14923909"/>
+            <a:ext cx="3674586" cy="1015663"/>
+          </a:xfrm>
+          <a:prstGeom prst="rect">
+            <a:avLst/>
+          </a:prstGeom>
+          <a:noFill/>
+        </p:spPr>
+        <p:txBody>
+          <a:bodyPr wrap="square" rtlCol="0">
+            <a:spAutoFit/>
+          </a:bodyPr>
+          <a:lstStyle/>
+          <a:p>
+            <a:r>
+              <a:rPr lang="en-US" altLang="zh-CN" sz="2000" dirty="0"/>
+              <a:t>Generate new Poisson frequency obeys Gaussian distribution for this neuron every 50ms.</a:t>
+            </a:r>
+            <a:endParaRPr lang="zh-CN" altLang="en-US" sz="2000" dirty="0"/>
+          </a:p>
+        </p:txBody>
+      </p:sp>
+      <p:sp>
+        <p:nvSpPr>
+          <p:cNvPr id="13" name="右大括号 12">
+            <a:extLst>
+              <a:ext uri="{FF2B5EF4-FFF2-40B4-BE49-F238E27FC236}">
+                <a16:creationId xmlns:a16="http://schemas.microsoft.com/office/drawing/2014/main" id="{5F99AD31-CC7F-4E7D-BD12-E84C2F2B5836}"/>
+              </a:ext>
+            </a:extLst>
+          </p:cNvPr>
+          <p:cNvSpPr/>
+          <p:nvPr/>
+        </p:nvSpPr>
+        <p:spPr>
+          <a:xfrm>
+            <a:off x="9829799" y="14744700"/>
+            <a:ext cx="216000" cy="1270000"/>
+          </a:xfrm>
+          <a:prstGeom prst="rightBrace">
+            <a:avLst/>
+          </a:prstGeom>
+        </p:spPr>
+        <p:style>
+          <a:lnRef idx="1">
+            <a:schemeClr val="dk1"/>
+          </a:lnRef>
+          <a:fillRef idx="0">
+            <a:schemeClr val="dk1"/>
+          </a:fillRef>
+          <a:effectRef idx="0">
+            <a:schemeClr val="dk1"/>
+          </a:effectRef>
+          <a:fontRef idx="minor">
+            <a:schemeClr val="tx1"/>
+          </a:fontRef>
+        </p:style>
+        <p:txBody>
+          <a:bodyPr rtlCol="0" anchor="ctr"/>
+          <a:lstStyle/>
+          <a:p>
+            <a:pPr algn="ctr"/>
+            <a:endParaRPr lang="zh-CN" altLang="en-US"/>
+          </a:p>
+        </p:txBody>
+      </p:sp>
+      <p:cxnSp>
+        <p:nvCxnSpPr>
+          <p:cNvPr id="14" name="连接符: 肘形 13">
+            <a:extLst>
+              <a:ext uri="{FF2B5EF4-FFF2-40B4-BE49-F238E27FC236}">
+                <a16:creationId xmlns:a16="http://schemas.microsoft.com/office/drawing/2014/main" id="{31126DA4-0615-4021-ACAB-FC9811C39F6B}"/>
+              </a:ext>
+            </a:extLst>
+          </p:cNvPr>
+          <p:cNvCxnSpPr>
+            <a:cxnSpLocks/>
+          </p:cNvCxnSpPr>
+          <p:nvPr/>
+        </p:nvCxnSpPr>
+        <p:spPr>
+          <a:xfrm>
+            <a:off x="6451600" y="16471900"/>
+            <a:ext cx="1803400" cy="549467"/>
+          </a:xfrm>
+          <a:prstGeom prst="bentConnector3">
+            <a:avLst>
+              <a:gd name="adj1" fmla="val 0"/>
+            </a:avLst>
+          </a:prstGeom>
+          <a:ln>
+            <a:tailEnd type="triangle"/>
+          </a:ln>
+        </p:spPr>
+        <p:style>
+          <a:lnRef idx="1">
+            <a:schemeClr val="dk1"/>
+          </a:lnRef>
+          <a:fillRef idx="0">
+            <a:schemeClr val="dk1"/>
+          </a:fillRef>
+          <a:effectRef idx="0">
+            <a:schemeClr val="dk1"/>
+          </a:effectRef>
+          <a:fontRef idx="minor">
+            <a:schemeClr val="tx1"/>
+          </a:fontRef>
+        </p:style>
+      </p:cxnSp>
+      <p:sp>
+        <p:nvSpPr>
+          <p:cNvPr id="15" name="文本框 14">
+            <a:extLst>
+              <a:ext uri="{FF2B5EF4-FFF2-40B4-BE49-F238E27FC236}">
+                <a16:creationId xmlns:a16="http://schemas.microsoft.com/office/drawing/2014/main" id="{9816261A-3CF1-4323-9FE8-3B64FF3C7549}"/>
+              </a:ext>
+            </a:extLst>
+          </p:cNvPr>
+          <p:cNvSpPr txBox="1"/>
+          <p:nvPr/>
+        </p:nvSpPr>
+        <p:spPr>
+          <a:xfrm>
+            <a:off x="8255000" y="16667424"/>
+            <a:ext cx="4220529" cy="707886"/>
+          </a:xfrm>
+          <a:prstGeom prst="rect">
+            <a:avLst/>
+          </a:prstGeom>
+          <a:noFill/>
+        </p:spPr>
+        <p:txBody>
+          <a:bodyPr wrap="square" rtlCol="0">
+            <a:spAutoFit/>
+          </a:bodyPr>
+          <a:lstStyle/>
+          <a:p>
+            <a:r>
+              <a:rPr lang="en-US" altLang="zh-CN" sz="2000" dirty="0"/>
+              <a:t>Generate Poisson inputs with the Poisson frequency</a:t>
+            </a:r>
+            <a:r>
+              <a:rPr lang="zh-CN" altLang="en-US" sz="2000" dirty="0"/>
+              <a:t> </a:t>
+            </a:r>
+            <a:r>
+              <a:rPr lang="en-US" altLang="zh-CN" sz="2000" dirty="0"/>
+              <a:t>of</a:t>
+            </a:r>
+            <a:r>
+              <a:rPr lang="zh-CN" altLang="en-US" sz="2000" dirty="0"/>
+              <a:t> </a:t>
+            </a:r>
+            <a:r>
+              <a:rPr lang="en-US" altLang="zh-CN" sz="2000" dirty="0"/>
+              <a:t>this</a:t>
+            </a:r>
+            <a:r>
+              <a:rPr lang="zh-CN" altLang="en-US" sz="2000" dirty="0"/>
+              <a:t> </a:t>
+            </a:r>
+            <a:r>
+              <a:rPr lang="en-US" altLang="zh-CN" sz="2000" dirty="0"/>
+              <a:t>neuron.</a:t>
+            </a:r>
+          </a:p>
+        </p:txBody>
+      </p:sp>
+      <p:sp>
+        <p:nvSpPr>
+          <p:cNvPr id="20" name="文本框 19">
+            <a:extLst>
+              <a:ext uri="{FF2B5EF4-FFF2-40B4-BE49-F238E27FC236}">
+                <a16:creationId xmlns:a16="http://schemas.microsoft.com/office/drawing/2014/main" id="{4700C9F6-E822-4212-89CE-4C80866FB253}"/>
+              </a:ext>
+            </a:extLst>
+          </p:cNvPr>
+          <p:cNvSpPr txBox="1"/>
+          <p:nvPr/>
+        </p:nvSpPr>
+        <p:spPr>
+          <a:xfrm>
+            <a:off x="9668193" y="2434763"/>
+            <a:ext cx="3939143" cy="1631216"/>
+          </a:xfrm>
+          <a:prstGeom prst="rect">
+            <a:avLst/>
+          </a:prstGeom>
+          <a:noFill/>
+        </p:spPr>
+        <p:txBody>
+          <a:bodyPr wrap="square" rtlCol="0">
+            <a:spAutoFit/>
+          </a:bodyPr>
+          <a:lstStyle/>
+          <a:p>
+            <a:r>
+              <a:rPr lang="en-US" altLang="zh-CN" sz="2000" dirty="0"/>
+              <a:t>Compute basic Poisson frequencies for stimuli given to neuron group A and B. The difference between the two stimuli is controlled by the coherence.</a:t>
+            </a:r>
+            <a:endParaRPr lang="zh-CN" altLang="en-US" sz="2000" dirty="0"/>
+          </a:p>
+        </p:txBody>
+      </p:sp>
+      <p:sp>
+        <p:nvSpPr>
+          <p:cNvPr id="21" name="右大括号 20">
+            <a:extLst>
+              <a:ext uri="{FF2B5EF4-FFF2-40B4-BE49-F238E27FC236}">
+                <a16:creationId xmlns:a16="http://schemas.microsoft.com/office/drawing/2014/main" id="{A2E329BF-638F-44FB-AB2B-8ACC00901B53}"/>
+              </a:ext>
+            </a:extLst>
+          </p:cNvPr>
+          <p:cNvSpPr/>
+          <p:nvPr/>
+        </p:nvSpPr>
+        <p:spPr>
+          <a:xfrm>
+            <a:off x="9270999" y="1752600"/>
+            <a:ext cx="226458" cy="2995543"/>
+          </a:xfrm>
+          <a:prstGeom prst="rightBrace">
+            <a:avLst/>
+          </a:prstGeom>
+        </p:spPr>
+        <p:style>
+          <a:lnRef idx="1">
+            <a:schemeClr val="dk1"/>
+          </a:lnRef>
+          <a:fillRef idx="0">
+            <a:schemeClr val="dk1"/>
+          </a:fillRef>
+          <a:effectRef idx="0">
+            <a:schemeClr val="dk1"/>
+          </a:effectRef>
+          <a:fontRef idx="minor">
+            <a:schemeClr val="tx1"/>
+          </a:fontRef>
+        </p:style>
+        <p:txBody>
+          <a:bodyPr rtlCol="0" anchor="ctr"/>
+          <a:lstStyle/>
+          <a:p>
+            <a:pPr algn="ctr"/>
+            <a:endParaRPr lang="zh-CN" altLang="en-US"/>
+          </a:p>
+        </p:txBody>
+      </p:sp>
+      <p:sp>
+        <p:nvSpPr>
+          <p:cNvPr id="22" name="右大括号 21">
+            <a:extLst>
+              <a:ext uri="{FF2B5EF4-FFF2-40B4-BE49-F238E27FC236}">
+                <a16:creationId xmlns:a16="http://schemas.microsoft.com/office/drawing/2014/main" id="{57FDD778-C3D3-4180-B0D6-8DD39DBC1BCE}"/>
+              </a:ext>
+            </a:extLst>
+          </p:cNvPr>
+          <p:cNvSpPr/>
+          <p:nvPr/>
+        </p:nvSpPr>
+        <p:spPr>
+          <a:xfrm>
+            <a:off x="8733736" y="9433756"/>
+            <a:ext cx="216000" cy="3964744"/>
+          </a:xfrm>
+          <a:prstGeom prst="rightBrace">
+            <a:avLst/>
+          </a:prstGeom>
+        </p:spPr>
+        <p:style>
+          <a:lnRef idx="1">
+            <a:schemeClr val="dk1"/>
+          </a:lnRef>
+          <a:fillRef idx="0">
+            <a:schemeClr val="dk1"/>
+          </a:fillRef>
+          <a:effectRef idx="0">
+            <a:schemeClr val="dk1"/>
+          </a:effectRef>
+          <a:fontRef idx="minor">
+            <a:schemeClr val="tx1"/>
+          </a:fontRef>
+        </p:style>
+        <p:txBody>
+          <a:bodyPr rtlCol="0" anchor="ctr"/>
+          <a:lstStyle/>
+          <a:p>
+            <a:pPr algn="ctr"/>
+            <a:endParaRPr lang="zh-CN" altLang="en-US" sz="7200"/>
+          </a:p>
+        </p:txBody>
+      </p:sp>
+      <p:sp>
+        <p:nvSpPr>
+          <p:cNvPr id="23" name="文本框 22">
+            <a:extLst>
+              <a:ext uri="{FF2B5EF4-FFF2-40B4-BE49-F238E27FC236}">
+                <a16:creationId xmlns:a16="http://schemas.microsoft.com/office/drawing/2014/main" id="{FA66BA67-77CA-4E41-835E-B1453926AA3B}"/>
+              </a:ext>
+            </a:extLst>
+          </p:cNvPr>
+          <p:cNvSpPr txBox="1"/>
+          <p:nvPr/>
+        </p:nvSpPr>
+        <p:spPr>
+          <a:xfrm>
+            <a:off x="9167413" y="11230834"/>
+            <a:ext cx="4485307" cy="400110"/>
+          </a:xfrm>
+          <a:prstGeom prst="rect">
+            <a:avLst/>
+          </a:prstGeom>
+          <a:noFill/>
+        </p:spPr>
+        <p:txBody>
+          <a:bodyPr wrap="square" rtlCol="0">
+            <a:spAutoFit/>
+          </a:bodyPr>
+          <a:lstStyle/>
+          <a:p>
+            <a:r>
+              <a:rPr lang="en-US" altLang="zh-CN" sz="2000" dirty="0"/>
+              <a:t>Save model parameters and variables.</a:t>
+            </a:r>
+            <a:endParaRPr lang="zh-CN" altLang="en-US" sz="2000" dirty="0"/>
+          </a:p>
+        </p:txBody>
+      </p:sp>
+    </p:spTree>
+    <p:extLst>
+      <p:ext uri="{BB962C8B-B14F-4D97-AF65-F5344CB8AC3E}">
+        <p14:creationId xmlns:p14="http://schemas.microsoft.com/office/powerpoint/2010/main" val="778253912"/>
+      </p:ext>
+    </p:extLst>
+  </p:cSld>
+  <p:clrMapOvr>
+    <a:masterClrMapping/>
+  </p:clrMapOvr>
+</p:sld>
+</file>
+
+<file path=ppt/slides/slide6.xml><?xml version="1.0" encoding="utf-8"?>
+<p:sld xmlns:a="http://schemas.openxmlformats.org/drawingml/2006/main" xmlns:r="http://schemas.openxmlformats.org/officeDocument/2006/relationships" xmlns:p="http://schemas.openxmlformats.org/presentationml/2006/main">
+  <p:cSld>
+    <p:spTree>
+      <p:nvGrpSpPr>
+        <p:cNvPr id="1" name=""/>
+        <p:cNvGrpSpPr/>
+        <p:nvPr/>
+      </p:nvGrpSpPr>
+      <p:grpSpPr>
+        <a:xfrm>
+          <a:off x="0" y="0"/>
+          <a:ext cx="0" cy="0"/>
+          <a:chOff x="0" y="0"/>
+          <a:chExt cx="0" cy="0"/>
+        </a:xfrm>
+      </p:grpSpPr>
+      <p:pic>
+        <p:nvPicPr>
+          <p:cNvPr id="3" name="图片 2">
+            <a:extLst>
+              <a:ext uri="{FF2B5EF4-FFF2-40B4-BE49-F238E27FC236}">
+                <a16:creationId xmlns:a16="http://schemas.microsoft.com/office/drawing/2014/main" id="{83470FE4-8B90-4F3F-AC7A-E60ED411BB37}"/>
+              </a:ext>
+            </a:extLst>
+          </p:cNvPr>
+          <p:cNvPicPr>
+            <a:picLocks noChangeAspect="1"/>
+          </p:cNvPicPr>
+          <p:nvPr/>
+        </p:nvPicPr>
+        <p:blipFill>
+          <a:blip r:embed="rId2">
+            <a:extLst>
+              <a:ext uri="{28A0092B-C50C-407E-A947-70E740481C1C}">
+                <a14:useLocalDpi xmlns:a14="http://schemas.microsoft.com/office/drawing/2010/main" val="0"/>
+              </a:ext>
+            </a:extLst>
+          </a:blip>
+          <a:stretch>
+            <a:fillRect/>
+          </a:stretch>
+        </p:blipFill>
+        <p:spPr>
+          <a:xfrm>
+            <a:off x="0" y="6800523"/>
+            <a:ext cx="10800000" cy="5868781"/>
+          </a:xfrm>
+          <a:prstGeom prst="rect">
+            <a:avLst/>
+          </a:prstGeom>
+        </p:spPr>
+      </p:pic>
+      <p:sp>
+        <p:nvSpPr>
+          <p:cNvPr id="4" name="右大括号 3">
+            <a:extLst>
+              <a:ext uri="{FF2B5EF4-FFF2-40B4-BE49-F238E27FC236}">
+                <a16:creationId xmlns:a16="http://schemas.microsoft.com/office/drawing/2014/main" id="{3388BAF6-39CF-4179-A1C3-9476E838F172}"/>
+              </a:ext>
+            </a:extLst>
+          </p:cNvPr>
+          <p:cNvSpPr/>
+          <p:nvPr/>
+        </p:nvSpPr>
+        <p:spPr>
+          <a:xfrm>
+            <a:off x="9872980" y="7048499"/>
+            <a:ext cx="216000" cy="2993429"/>
+          </a:xfrm>
+          <a:prstGeom prst="rightBrace">
+            <a:avLst/>
+          </a:prstGeom>
+        </p:spPr>
+        <p:style>
+          <a:lnRef idx="1">
+            <a:schemeClr val="dk1"/>
+          </a:lnRef>
+          <a:fillRef idx="0">
+            <a:schemeClr val="dk1"/>
+          </a:fillRef>
+          <a:effectRef idx="0">
+            <a:schemeClr val="dk1"/>
+          </a:effectRef>
+          <a:fontRef idx="minor">
+            <a:schemeClr val="tx1"/>
+          </a:fontRef>
+        </p:style>
+        <p:txBody>
+          <a:bodyPr rtlCol="0" anchor="ctr"/>
+          <a:lstStyle/>
+          <a:p>
+            <a:pPr algn="ctr"/>
+            <a:endParaRPr lang="zh-CN" altLang="en-US"/>
+          </a:p>
+        </p:txBody>
+      </p:sp>
+      <p:sp>
+        <p:nvSpPr>
+          <p:cNvPr id="5" name="文本框 4">
+            <a:extLst>
+              <a:ext uri="{FF2B5EF4-FFF2-40B4-BE49-F238E27FC236}">
+                <a16:creationId xmlns:a16="http://schemas.microsoft.com/office/drawing/2014/main" id="{15E5BF67-5E59-49A6-B90A-C0952D5F47A9}"/>
+              </a:ext>
+            </a:extLst>
+          </p:cNvPr>
+          <p:cNvSpPr txBox="1"/>
+          <p:nvPr/>
+        </p:nvSpPr>
+        <p:spPr>
+          <a:xfrm>
+            <a:off x="10287000" y="8032690"/>
+            <a:ext cx="3429000" cy="1015663"/>
+          </a:xfrm>
+          <a:prstGeom prst="rect">
+            <a:avLst/>
+          </a:prstGeom>
+          <a:noFill/>
+        </p:spPr>
+        <p:txBody>
+          <a:bodyPr wrap="square" rtlCol="0">
+            <a:spAutoFit/>
+          </a:bodyPr>
+          <a:lstStyle/>
+          <a:p>
+            <a:r>
+              <a:rPr lang="en-US" altLang="zh-CN" sz="2000" dirty="0"/>
+              <a:t>Define neurons that generate Poisson stimulus inputs for every neuron in the network.</a:t>
+            </a:r>
+            <a:endParaRPr lang="zh-CN" altLang="en-US" sz="2000" dirty="0"/>
+          </a:p>
+        </p:txBody>
+      </p:sp>
+      <p:sp>
+        <p:nvSpPr>
+          <p:cNvPr id="6" name="右大括号 5">
+            <a:extLst>
+              <a:ext uri="{FF2B5EF4-FFF2-40B4-BE49-F238E27FC236}">
+                <a16:creationId xmlns:a16="http://schemas.microsoft.com/office/drawing/2014/main" id="{13B9957A-FC91-433B-B98C-6F603713FC7E}"/>
+              </a:ext>
+            </a:extLst>
+          </p:cNvPr>
+          <p:cNvSpPr/>
+          <p:nvPr/>
+        </p:nvSpPr>
+        <p:spPr>
+          <a:xfrm>
+            <a:off x="8768080" y="10477500"/>
+            <a:ext cx="216000" cy="1781386"/>
+          </a:xfrm>
+          <a:prstGeom prst="rightBrace">
+            <a:avLst/>
+          </a:prstGeom>
+        </p:spPr>
+        <p:style>
+          <a:lnRef idx="1">
+            <a:schemeClr val="dk1"/>
+          </a:lnRef>
+          <a:fillRef idx="0">
+            <a:schemeClr val="dk1"/>
+          </a:fillRef>
+          <a:effectRef idx="0">
+            <a:schemeClr val="dk1"/>
+          </a:effectRef>
+          <a:fontRef idx="minor">
+            <a:schemeClr val="tx1"/>
+          </a:fontRef>
+        </p:style>
+        <p:txBody>
+          <a:bodyPr rtlCol="0" anchor="ctr"/>
+          <a:lstStyle/>
+          <a:p>
+            <a:pPr algn="ctr"/>
+            <a:endParaRPr lang="zh-CN" altLang="en-US"/>
+          </a:p>
+        </p:txBody>
+      </p:sp>
+      <p:sp>
+        <p:nvSpPr>
+          <p:cNvPr id="7" name="文本框 6">
+            <a:extLst>
+              <a:ext uri="{FF2B5EF4-FFF2-40B4-BE49-F238E27FC236}">
+                <a16:creationId xmlns:a16="http://schemas.microsoft.com/office/drawing/2014/main" id="{EC3FAD51-5F32-4FB9-A9AA-81ADAA7F3248}"/>
+              </a:ext>
+            </a:extLst>
+          </p:cNvPr>
+          <p:cNvSpPr txBox="1"/>
+          <p:nvPr/>
+        </p:nvSpPr>
+        <p:spPr>
+          <a:xfrm>
+            <a:off x="9119598" y="10950940"/>
+            <a:ext cx="4736102" cy="707886"/>
+          </a:xfrm>
+          <a:prstGeom prst="rect">
+            <a:avLst/>
+          </a:prstGeom>
+          <a:noFill/>
+        </p:spPr>
+        <p:txBody>
+          <a:bodyPr wrap="square" rtlCol="0">
+            <a:spAutoFit/>
+          </a:bodyPr>
+          <a:lstStyle/>
+          <a:p>
+            <a:r>
+              <a:rPr lang="en-US" altLang="zh-CN" sz="2000" dirty="0"/>
+              <a:t>Define AMPA synapses that send the Poisson stimulus inputs to the neurons.</a:t>
+            </a:r>
+            <a:endParaRPr lang="zh-CN" altLang="en-US" sz="2000" dirty="0"/>
+          </a:p>
+        </p:txBody>
+      </p:sp>
+    </p:spTree>
+    <p:extLst>
+      <p:ext uri="{BB962C8B-B14F-4D97-AF65-F5344CB8AC3E}">
+        <p14:creationId xmlns:p14="http://schemas.microsoft.com/office/powerpoint/2010/main" val="3444212320"/>
       </p:ext>
     </p:extLst>
   </p:cSld>

--- a/docs/brainpy_handbook/ppt/snns.pptx
+++ b/docs/brainpy_handbook/ppt/snns.pptx
@@ -248,7 +248,7 @@
           <a:p>
             <a:fld id="{0E88AB90-0D2D-461D-B22C-FF3F8B460DB8}" type="datetimeFigureOut">
               <a:rPr lang="zh-CN" altLang="en-US" smtClean="0"/>
-              <a:t>2021/4/29</a:t>
+              <a:t>2021/4/30</a:t>
             </a:fld>
             <a:endParaRPr lang="zh-CN" altLang="en-US"/>
           </a:p>
@@ -418,7 +418,7 @@
           <a:p>
             <a:fld id="{0E88AB90-0D2D-461D-B22C-FF3F8B460DB8}" type="datetimeFigureOut">
               <a:rPr lang="zh-CN" altLang="en-US" smtClean="0"/>
-              <a:t>2021/4/29</a:t>
+              <a:t>2021/4/30</a:t>
             </a:fld>
             <a:endParaRPr lang="zh-CN" altLang="en-US"/>
           </a:p>
@@ -598,7 +598,7 @@
           <a:p>
             <a:fld id="{0E88AB90-0D2D-461D-B22C-FF3F8B460DB8}" type="datetimeFigureOut">
               <a:rPr lang="zh-CN" altLang="en-US" smtClean="0"/>
-              <a:t>2021/4/29</a:t>
+              <a:t>2021/4/30</a:t>
             </a:fld>
             <a:endParaRPr lang="zh-CN" altLang="en-US"/>
           </a:p>
@@ -768,7 +768,7 @@
           <a:p>
             <a:fld id="{0E88AB90-0D2D-461D-B22C-FF3F8B460DB8}" type="datetimeFigureOut">
               <a:rPr lang="zh-CN" altLang="en-US" smtClean="0"/>
-              <a:t>2021/4/29</a:t>
+              <a:t>2021/4/30</a:t>
             </a:fld>
             <a:endParaRPr lang="zh-CN" altLang="en-US"/>
           </a:p>
@@ -1012,7 +1012,7 @@
           <a:p>
             <a:fld id="{0E88AB90-0D2D-461D-B22C-FF3F8B460DB8}" type="datetimeFigureOut">
               <a:rPr lang="zh-CN" altLang="en-US" smtClean="0"/>
-              <a:t>2021/4/29</a:t>
+              <a:t>2021/4/30</a:t>
             </a:fld>
             <a:endParaRPr lang="zh-CN" altLang="en-US"/>
           </a:p>
@@ -1244,7 +1244,7 @@
           <a:p>
             <a:fld id="{0E88AB90-0D2D-461D-B22C-FF3F8B460DB8}" type="datetimeFigureOut">
               <a:rPr lang="zh-CN" altLang="en-US" smtClean="0"/>
-              <a:t>2021/4/29</a:t>
+              <a:t>2021/4/30</a:t>
             </a:fld>
             <a:endParaRPr lang="zh-CN" altLang="en-US"/>
           </a:p>
@@ -1611,7 +1611,7 @@
           <a:p>
             <a:fld id="{0E88AB90-0D2D-461D-B22C-FF3F8B460DB8}" type="datetimeFigureOut">
               <a:rPr lang="zh-CN" altLang="en-US" smtClean="0"/>
-              <a:t>2021/4/29</a:t>
+              <a:t>2021/4/30</a:t>
             </a:fld>
             <a:endParaRPr lang="zh-CN" altLang="en-US"/>
           </a:p>
@@ -1729,7 +1729,7 @@
           <a:p>
             <a:fld id="{0E88AB90-0D2D-461D-B22C-FF3F8B460DB8}" type="datetimeFigureOut">
               <a:rPr lang="zh-CN" altLang="en-US" smtClean="0"/>
-              <a:t>2021/4/29</a:t>
+              <a:t>2021/4/30</a:t>
             </a:fld>
             <a:endParaRPr lang="zh-CN" altLang="en-US"/>
           </a:p>
@@ -1824,7 +1824,7 @@
           <a:p>
             <a:fld id="{0E88AB90-0D2D-461D-B22C-FF3F8B460DB8}" type="datetimeFigureOut">
               <a:rPr lang="zh-CN" altLang="en-US" smtClean="0"/>
-              <a:t>2021/4/29</a:t>
+              <a:t>2021/4/30</a:t>
             </a:fld>
             <a:endParaRPr lang="zh-CN" altLang="en-US"/>
           </a:p>
@@ -2101,7 +2101,7 @@
           <a:p>
             <a:fld id="{0E88AB90-0D2D-461D-B22C-FF3F8B460DB8}" type="datetimeFigureOut">
               <a:rPr lang="zh-CN" altLang="en-US" smtClean="0"/>
-              <a:t>2021/4/29</a:t>
+              <a:t>2021/4/30</a:t>
             </a:fld>
             <a:endParaRPr lang="zh-CN" altLang="en-US"/>
           </a:p>
@@ -2358,7 +2358,7 @@
           <a:p>
             <a:fld id="{0E88AB90-0D2D-461D-B22C-FF3F8B460DB8}" type="datetimeFigureOut">
               <a:rPr lang="zh-CN" altLang="en-US" smtClean="0"/>
-              <a:t>2021/4/29</a:t>
+              <a:t>2021/4/30</a:t>
             </a:fld>
             <a:endParaRPr lang="zh-CN" altLang="en-US"/>
           </a:p>
@@ -2571,7 +2571,7 @@
           <a:p>
             <a:fld id="{0E88AB90-0D2D-461D-B22C-FF3F8B460DB8}" type="datetimeFigureOut">
               <a:rPr lang="zh-CN" altLang="en-US" smtClean="0"/>
-              <a:t>2021/4/29</a:t>
+              <a:t>2021/4/30</a:t>
             </a:fld>
             <a:endParaRPr lang="zh-CN" altLang="en-US"/>
           </a:p>
@@ -4897,7 +4897,7 @@
         <p:spPr>
           <a:xfrm>
             <a:off x="7912100" y="13539857"/>
-            <a:ext cx="4563429" cy="707886"/>
+            <a:ext cx="5244384" cy="707886"/>
           </a:xfrm>
           <a:prstGeom prst="rect">
             <a:avLst/>
@@ -4918,7 +4918,7 @@
           <a:p>
             <a:r>
               <a:rPr lang="en-US" altLang="zh-CN" sz="2000" dirty="0"/>
-              <a:t>between [</a:t>
+              <a:t>between time period [</a:t>
             </a:r>
             <a:r>
               <a:rPr lang="en-US" altLang="zh-CN" sz="2000" dirty="0" err="1"/>
@@ -4940,42 +4940,342 @@
           </a:p>
         </p:txBody>
       </p:sp>
-      <p:sp>
-        <p:nvSpPr>
-          <p:cNvPr id="12" name="文本框 11">
-            <a:extLst>
-              <a:ext uri="{FF2B5EF4-FFF2-40B4-BE49-F238E27FC236}">
-                <a16:creationId xmlns:a16="http://schemas.microsoft.com/office/drawing/2014/main" id="{A4484AD8-DC90-4E30-BC2A-2147EDB8A305}"/>
-              </a:ext>
-            </a:extLst>
-          </p:cNvPr>
-          <p:cNvSpPr txBox="1"/>
-          <p:nvPr/>
-        </p:nvSpPr>
-        <p:spPr>
-          <a:xfrm>
-            <a:off x="10056257" y="14923909"/>
-            <a:ext cx="3674586" cy="1015663"/>
-          </a:xfrm>
-          <a:prstGeom prst="rect">
-            <a:avLst/>
-          </a:prstGeom>
-          <a:noFill/>
-        </p:spPr>
-        <p:txBody>
-          <a:bodyPr wrap="square" rtlCol="0">
-            <a:spAutoFit/>
-          </a:bodyPr>
-          <a:lstStyle/>
-          <a:p>
-            <a:r>
-              <a:rPr lang="en-US" altLang="zh-CN" sz="2000" dirty="0"/>
-              <a:t>Generate new Poisson frequency obeys Gaussian distribution for this neuron every 50ms.</a:t>
-            </a:r>
-            <a:endParaRPr lang="zh-CN" altLang="en-US" sz="2000" dirty="0"/>
-          </a:p>
-        </p:txBody>
-      </p:sp>
+      <mc:AlternateContent xmlns:mc="http://schemas.openxmlformats.org/markup-compatibility/2006">
+        <mc:Choice xmlns:a14="http://schemas.microsoft.com/office/drawing/2010/main" Requires="a14">
+          <p:sp>
+            <p:nvSpPr>
+              <p:cNvPr id="12" name="文本框 11">
+                <a:extLst>
+                  <a:ext uri="{FF2B5EF4-FFF2-40B4-BE49-F238E27FC236}">
+                    <a16:creationId xmlns:a16="http://schemas.microsoft.com/office/drawing/2014/main" id="{A4484AD8-DC90-4E30-BC2A-2147EDB8A305}"/>
+                  </a:ext>
+                </a:extLst>
+              </p:cNvPr>
+              <p:cNvSpPr txBox="1"/>
+              <p:nvPr/>
+            </p:nvSpPr>
+            <p:spPr>
+              <a:xfrm>
+                <a:off x="10231914" y="14442142"/>
+                <a:ext cx="3674586" cy="1631216"/>
+              </a:xfrm>
+              <a:prstGeom prst="rect">
+                <a:avLst/>
+              </a:prstGeom>
+              <a:noFill/>
+            </p:spPr>
+            <p:txBody>
+              <a:bodyPr wrap="square" rtlCol="0">
+                <a:spAutoFit/>
+              </a:bodyPr>
+              <a:lstStyle/>
+              <a:p>
+                <a:r>
+                  <a:rPr lang="en-US" altLang="zh-CN" sz="2000" dirty="0"/>
+                  <a:t>Generate new Poisson frequency obeys Gaussian distribution for this neuron every 50ms.</a:t>
+                </a:r>
+              </a:p>
+              <a:p>
+                <a14:m>
+                  <m:oMathPara xmlns:m="http://schemas.openxmlformats.org/officeDocument/2006/math">
+                    <m:oMathParaPr>
+                      <m:jc m:val="centerGroup"/>
+                    </m:oMathParaPr>
+                    <m:oMath xmlns:m="http://schemas.openxmlformats.org/officeDocument/2006/math">
+                      <m:sSub>
+                        <m:sSubPr>
+                          <m:ctrlPr>
+                            <a:rPr lang="en-US" altLang="zh-CN" sz="2000" b="0" i="1" smtClean="0">
+                              <a:latin typeface="Cambria Math" panose="02040503050406030204" pitchFamily="18" charset="0"/>
+                            </a:rPr>
+                          </m:ctrlPr>
+                        </m:sSubPr>
+                        <m:e>
+                          <m:r>
+                            <a:rPr lang="en-US" altLang="zh-CN" sz="2000" b="0" i="1" smtClean="0">
+                              <a:latin typeface="Cambria Math" panose="02040503050406030204" pitchFamily="18" charset="0"/>
+                            </a:rPr>
+                            <m:t>𝑓</m:t>
+                          </m:r>
+                        </m:e>
+                        <m:sub>
+                          <m:r>
+                            <a:rPr lang="en-US" altLang="zh-CN" sz="2000" b="0" i="1" smtClean="0">
+                              <a:latin typeface="Cambria Math" panose="02040503050406030204" pitchFamily="18" charset="0"/>
+                            </a:rPr>
+                            <m:t>𝐴</m:t>
+                          </m:r>
+                        </m:sub>
+                      </m:sSub>
+                      <m:r>
+                        <a:rPr lang="en-US" altLang="zh-CN" sz="2000" b="0" i="1" smtClean="0">
+                          <a:latin typeface="Cambria Math" panose="02040503050406030204" pitchFamily="18" charset="0"/>
+                        </a:rPr>
+                        <m:t> ~ </m:t>
+                      </m:r>
+                      <m:r>
+                        <a:rPr lang="en-US" altLang="zh-CN" sz="2000" b="0" i="1" smtClean="0">
+                          <a:latin typeface="Cambria Math" panose="02040503050406030204" pitchFamily="18" charset="0"/>
+                        </a:rPr>
+                        <m:t>𝑁</m:t>
+                      </m:r>
+                      <m:r>
+                        <a:rPr lang="en-US" altLang="zh-CN" sz="2000" b="0" i="1" smtClean="0">
+                          <a:latin typeface="Cambria Math" panose="02040503050406030204" pitchFamily="18" charset="0"/>
+                        </a:rPr>
+                        <m:t>(</m:t>
+                      </m:r>
+                      <m:sSub>
+                        <m:sSubPr>
+                          <m:ctrlPr>
+                            <a:rPr lang="en-US" altLang="zh-CN" sz="2000" b="0" i="1" smtClean="0">
+                              <a:latin typeface="Cambria Math" panose="02040503050406030204" pitchFamily="18" charset="0"/>
+                            </a:rPr>
+                          </m:ctrlPr>
+                        </m:sSubPr>
+                        <m:e>
+                          <m:r>
+                            <m:rPr>
+                              <m:sty m:val="p"/>
+                            </m:rPr>
+                            <a:rPr lang="en-US" altLang="zh-CN" sz="2000" i="1">
+                              <a:latin typeface="Cambria Math" panose="02040503050406030204" pitchFamily="18" charset="0"/>
+                            </a:rPr>
+                            <m:t>μ</m:t>
+                          </m:r>
+                        </m:e>
+                        <m:sub>
+                          <m:r>
+                            <a:rPr lang="en-US" altLang="zh-CN" sz="2000" b="0" i="1" smtClean="0">
+                              <a:latin typeface="Cambria Math" panose="02040503050406030204" pitchFamily="18" charset="0"/>
+                            </a:rPr>
+                            <m:t>𝐴</m:t>
+                          </m:r>
+                        </m:sub>
+                      </m:sSub>
+                      <m:r>
+                        <a:rPr lang="en-US" altLang="zh-CN" sz="2000" b="0" i="1" smtClean="0">
+                          <a:latin typeface="Cambria Math" panose="02040503050406030204" pitchFamily="18" charset="0"/>
+                        </a:rPr>
+                        <m:t>, </m:t>
+                      </m:r>
+                      <m:sSup>
+                        <m:sSupPr>
+                          <m:ctrlPr>
+                            <a:rPr lang="en-US" altLang="zh-CN" sz="2000" b="0" i="1" smtClean="0">
+                              <a:latin typeface="Cambria Math" panose="02040503050406030204" pitchFamily="18" charset="0"/>
+                            </a:rPr>
+                          </m:ctrlPr>
+                        </m:sSupPr>
+                        <m:e>
+                          <m:r>
+                            <m:rPr>
+                              <m:sty m:val="p"/>
+                            </m:rPr>
+                            <a:rPr lang="en-US" altLang="zh-CN" sz="2000" i="1">
+                              <a:latin typeface="Cambria Math" panose="02040503050406030204" pitchFamily="18" charset="0"/>
+                            </a:rPr>
+                            <m:t>δ</m:t>
+                          </m:r>
+                        </m:e>
+                        <m:sup>
+                          <m:r>
+                            <a:rPr lang="en-US" altLang="zh-CN" sz="2000" b="0" i="1" smtClean="0">
+                              <a:latin typeface="Cambria Math" panose="02040503050406030204" pitchFamily="18" charset="0"/>
+                            </a:rPr>
+                            <m:t>2</m:t>
+                          </m:r>
+                        </m:sup>
+                      </m:sSup>
+                      <m:r>
+                        <a:rPr lang="en-US" altLang="zh-CN" sz="2000" b="0" i="1" smtClean="0">
+                          <a:latin typeface="Cambria Math" panose="02040503050406030204" pitchFamily="18" charset="0"/>
+                        </a:rPr>
+                        <m:t>)</m:t>
+                      </m:r>
+                    </m:oMath>
+                  </m:oMathPara>
+                </a14:m>
+                <a:endParaRPr lang="en-US" altLang="zh-CN" sz="2000" dirty="0"/>
+              </a:p>
+              <a:p>
+                <a:pPr/>
+                <a14:m>
+                  <m:oMathPara xmlns:m="http://schemas.openxmlformats.org/officeDocument/2006/math">
+                    <m:oMathParaPr>
+                      <m:jc m:val="centerGroup"/>
+                    </m:oMathParaPr>
+                    <m:oMath xmlns:m="http://schemas.openxmlformats.org/officeDocument/2006/math">
+                      <m:sSub>
+                        <m:sSubPr>
+                          <m:ctrlPr>
+                            <a:rPr lang="en-US" altLang="zh-CN" sz="2000" i="1">
+                              <a:latin typeface="Cambria Math" panose="02040503050406030204" pitchFamily="18" charset="0"/>
+                            </a:rPr>
+                          </m:ctrlPr>
+                        </m:sSubPr>
+                        <m:e>
+                          <m:r>
+                            <a:rPr lang="en-US" altLang="zh-CN" sz="2000" i="1">
+                              <a:latin typeface="Cambria Math" panose="02040503050406030204" pitchFamily="18" charset="0"/>
+                            </a:rPr>
+                            <m:t>𝑓</m:t>
+                          </m:r>
+                        </m:e>
+                        <m:sub>
+                          <m:r>
+                            <m:rPr>
+                              <m:sty m:val="p"/>
+                            </m:rPr>
+                            <a:rPr lang="en-US" altLang="zh-CN" sz="2000" i="1" smtClean="0">
+                              <a:latin typeface="Cambria Math" panose="02040503050406030204" pitchFamily="18" charset="0"/>
+                            </a:rPr>
+                            <m:t>B</m:t>
+                          </m:r>
+                        </m:sub>
+                      </m:sSub>
+                      <m:r>
+                        <a:rPr lang="en-US" altLang="zh-CN" sz="2000" b="0" i="1" smtClean="0">
+                          <a:latin typeface="Cambria Math" panose="02040503050406030204" pitchFamily="18" charset="0"/>
+                        </a:rPr>
+                        <m:t> ~ </m:t>
+                      </m:r>
+                      <m:r>
+                        <a:rPr lang="en-US" altLang="zh-CN" sz="2000" b="0" i="1" smtClean="0">
+                          <a:latin typeface="Cambria Math" panose="02040503050406030204" pitchFamily="18" charset="0"/>
+                        </a:rPr>
+                        <m:t>𝑁</m:t>
+                      </m:r>
+                      <m:r>
+                        <a:rPr lang="en-US" altLang="zh-CN" sz="2000" i="1">
+                          <a:latin typeface="Cambria Math" panose="02040503050406030204" pitchFamily="18" charset="0"/>
+                        </a:rPr>
+                        <m:t>(</m:t>
+                      </m:r>
+                      <m:sSub>
+                        <m:sSubPr>
+                          <m:ctrlPr>
+                            <a:rPr lang="en-US" altLang="zh-CN" sz="2000" i="1">
+                              <a:latin typeface="Cambria Math" panose="02040503050406030204" pitchFamily="18" charset="0"/>
+                            </a:rPr>
+                          </m:ctrlPr>
+                        </m:sSubPr>
+                        <m:e>
+                          <m:r>
+                            <m:rPr>
+                              <m:sty m:val="p"/>
+                            </m:rPr>
+                            <a:rPr lang="en-US" altLang="zh-CN" sz="2000" i="1">
+                              <a:latin typeface="Cambria Math" panose="02040503050406030204" pitchFamily="18" charset="0"/>
+                            </a:rPr>
+                            <m:t>μ</m:t>
+                          </m:r>
+                        </m:e>
+                        <m:sub>
+                          <m:r>
+                            <m:rPr>
+                              <m:sty m:val="p"/>
+                            </m:rPr>
+                            <a:rPr lang="en-US" altLang="zh-CN" sz="2000" i="1">
+                              <a:latin typeface="Cambria Math" panose="02040503050406030204" pitchFamily="18" charset="0"/>
+                            </a:rPr>
+                            <m:t>B</m:t>
+                          </m:r>
+                        </m:sub>
+                      </m:sSub>
+                      <m:r>
+                        <a:rPr lang="en-US" altLang="zh-CN" sz="2000" i="1">
+                          <a:latin typeface="Cambria Math" panose="02040503050406030204" pitchFamily="18" charset="0"/>
+                        </a:rPr>
+                        <m:t>, </m:t>
+                      </m:r>
+                      <m:sSup>
+                        <m:sSupPr>
+                          <m:ctrlPr>
+                            <a:rPr lang="en-US" altLang="zh-CN" sz="2000" b="0" i="1" smtClean="0">
+                              <a:latin typeface="Cambria Math" panose="02040503050406030204" pitchFamily="18" charset="0"/>
+                            </a:rPr>
+                          </m:ctrlPr>
+                        </m:sSupPr>
+                        <m:e>
+                          <m:r>
+                            <m:rPr>
+                              <m:sty m:val="p"/>
+                            </m:rPr>
+                            <a:rPr lang="en-US" altLang="zh-CN" sz="2000" i="1">
+                              <a:latin typeface="Cambria Math" panose="02040503050406030204" pitchFamily="18" charset="0"/>
+                            </a:rPr>
+                            <m:t>δ</m:t>
+                          </m:r>
+                        </m:e>
+                        <m:sup>
+                          <m:r>
+                            <a:rPr lang="en-US" altLang="zh-CN" sz="2000" b="0" i="1" smtClean="0">
+                              <a:latin typeface="Cambria Math" panose="02040503050406030204" pitchFamily="18" charset="0"/>
+                            </a:rPr>
+                            <m:t>2</m:t>
+                          </m:r>
+                        </m:sup>
+                      </m:sSup>
+                      <m:r>
+                        <a:rPr lang="en-US" altLang="zh-CN" sz="2000" i="1">
+                          <a:latin typeface="Cambria Math" panose="02040503050406030204" pitchFamily="18" charset="0"/>
+                        </a:rPr>
+                        <m:t>)</m:t>
+                      </m:r>
+                    </m:oMath>
+                  </m:oMathPara>
+                </a14:m>
+                <a:endParaRPr lang="zh-CN" altLang="en-US" sz="2000" dirty="0"/>
+              </a:p>
+            </p:txBody>
+          </p:sp>
+        </mc:Choice>
+        <mc:Fallback>
+          <p:sp>
+            <p:nvSpPr>
+              <p:cNvPr id="12" name="文本框 11">
+                <a:extLst>
+                  <a:ext uri="{FF2B5EF4-FFF2-40B4-BE49-F238E27FC236}">
+                    <a16:creationId xmlns:a16="http://schemas.microsoft.com/office/drawing/2014/main" id="{A4484AD8-DC90-4E30-BC2A-2147EDB8A305}"/>
+                  </a:ext>
+                </a:extLst>
+              </p:cNvPr>
+              <p:cNvSpPr txBox="1">
+                <a:spLocks noRot="1" noChangeAspect="1" noMove="1" noResize="1" noEditPoints="1" noAdjustHandles="1" noChangeArrowheads="1" noChangeShapeType="1" noTextEdit="1"/>
+              </p:cNvSpPr>
+              <p:nvPr/>
+            </p:nvSpPr>
+            <p:spPr>
+              <a:xfrm>
+                <a:off x="10231914" y="14442142"/>
+                <a:ext cx="3674586" cy="1631216"/>
+              </a:xfrm>
+              <a:prstGeom prst="rect">
+                <a:avLst/>
+              </a:prstGeom>
+              <a:blipFill>
+                <a:blip r:embed="rId3"/>
+                <a:stretch>
+                  <a:fillRect l="-1658" t="-1866" r="-829" b="-2985"/>
+                </a:stretch>
+              </a:blipFill>
+            </p:spPr>
+            <p:txBody>
+              <a:bodyPr/>
+              <a:lstStyle/>
+              <a:p>
+                <a:r>
+                  <a:rPr lang="zh-CN" altLang="en-US">
+                    <a:noFill/>
+                  </a:rPr>
+                  <a:t> </a:t>
+                </a:r>
+              </a:p>
+            </p:txBody>
+          </p:sp>
+        </mc:Fallback>
+      </mc:AlternateContent>
       <p:sp>
         <p:nvSpPr>
           <p:cNvPr id="13" name="右大括号 12">
@@ -5122,42 +5422,338 @@
           </a:p>
         </p:txBody>
       </p:sp>
-      <p:sp>
-        <p:nvSpPr>
-          <p:cNvPr id="20" name="文本框 19">
-            <a:extLst>
-              <a:ext uri="{FF2B5EF4-FFF2-40B4-BE49-F238E27FC236}">
-                <a16:creationId xmlns:a16="http://schemas.microsoft.com/office/drawing/2014/main" id="{4700C9F6-E822-4212-89CE-4C80866FB253}"/>
-              </a:ext>
-            </a:extLst>
-          </p:cNvPr>
-          <p:cNvSpPr txBox="1"/>
-          <p:nvPr/>
-        </p:nvSpPr>
-        <p:spPr>
-          <a:xfrm>
-            <a:off x="9668193" y="2434763"/>
-            <a:ext cx="3939143" cy="1631216"/>
-          </a:xfrm>
-          <a:prstGeom prst="rect">
-            <a:avLst/>
-          </a:prstGeom>
-          <a:noFill/>
-        </p:spPr>
-        <p:txBody>
-          <a:bodyPr wrap="square" rtlCol="0">
-            <a:spAutoFit/>
-          </a:bodyPr>
-          <a:lstStyle/>
-          <a:p>
-            <a:r>
-              <a:rPr lang="en-US" altLang="zh-CN" sz="2000" dirty="0"/>
-              <a:t>Compute basic Poisson frequencies for stimuli given to neuron group A and B. The difference between the two stimuli is controlled by the coherence.</a:t>
-            </a:r>
-            <a:endParaRPr lang="zh-CN" altLang="en-US" sz="2000" dirty="0"/>
-          </a:p>
-        </p:txBody>
-      </p:sp>
+      <mc:AlternateContent xmlns:mc="http://schemas.openxmlformats.org/markup-compatibility/2006">
+        <mc:Choice xmlns:a14="http://schemas.microsoft.com/office/drawing/2010/main" Requires="a14">
+          <p:sp>
+            <p:nvSpPr>
+              <p:cNvPr id="20" name="文本框 19">
+                <a:extLst>
+                  <a:ext uri="{FF2B5EF4-FFF2-40B4-BE49-F238E27FC236}">
+                    <a16:creationId xmlns:a16="http://schemas.microsoft.com/office/drawing/2014/main" id="{4700C9F6-E822-4212-89CE-4C80866FB253}"/>
+                  </a:ext>
+                </a:extLst>
+              </p:cNvPr>
+              <p:cNvSpPr txBox="1"/>
+              <p:nvPr/>
+            </p:nvSpPr>
+            <p:spPr>
+              <a:xfrm>
+                <a:off x="9668193" y="2434763"/>
+                <a:ext cx="3939143" cy="1631216"/>
+              </a:xfrm>
+              <a:prstGeom prst="rect">
+                <a:avLst/>
+              </a:prstGeom>
+              <a:noFill/>
+            </p:spPr>
+            <p:txBody>
+              <a:bodyPr wrap="square" rtlCol="0">
+                <a:spAutoFit/>
+              </a:bodyPr>
+              <a:lstStyle/>
+              <a:p>
+                <a:r>
+                  <a:rPr lang="en-US" altLang="zh-CN" sz="2000" dirty="0"/>
+                  <a:t>Compute basic Poisson frequencies for stimuli given to neuron group A and B. </a:t>
+                </a:r>
+                <a:endParaRPr lang="en-US" altLang="zh-CN" sz="2000" b="0" i="1" dirty="0">
+                  <a:latin typeface="Cambria Math" panose="02040503050406030204" pitchFamily="18" charset="0"/>
+                </a:endParaRPr>
+              </a:p>
+              <a:p>
+                <a14:m>
+                  <m:oMathPara xmlns:m="http://schemas.openxmlformats.org/officeDocument/2006/math">
+                    <m:oMathParaPr>
+                      <m:jc m:val="centerGroup"/>
+                    </m:oMathParaPr>
+                    <m:oMath xmlns:m="http://schemas.openxmlformats.org/officeDocument/2006/math">
+                      <m:sSub>
+                        <m:sSubPr>
+                          <m:ctrlPr>
+                            <a:rPr lang="en-US" altLang="zh-CN" sz="2000" b="0" i="1" dirty="0" smtClean="0">
+                              <a:latin typeface="Cambria Math" panose="02040503050406030204" pitchFamily="18" charset="0"/>
+                            </a:rPr>
+                          </m:ctrlPr>
+                        </m:sSubPr>
+                        <m:e>
+                          <m:r>
+                            <m:rPr>
+                              <m:sty m:val="p"/>
+                            </m:rPr>
+                            <a:rPr lang="en-US" altLang="zh-CN" sz="2000" i="1" dirty="0">
+                              <a:latin typeface="Cambria Math" panose="02040503050406030204" pitchFamily="18" charset="0"/>
+                            </a:rPr>
+                            <m:t>μ</m:t>
+                          </m:r>
+                        </m:e>
+                        <m:sub>
+                          <m:r>
+                            <a:rPr lang="en-US" altLang="zh-CN" sz="2000" b="0" i="1" dirty="0" smtClean="0">
+                              <a:latin typeface="Cambria Math" panose="02040503050406030204" pitchFamily="18" charset="0"/>
+                            </a:rPr>
+                            <m:t>𝐴</m:t>
+                          </m:r>
+                        </m:sub>
+                      </m:sSub>
+                      <m:r>
+                        <a:rPr lang="en-US" altLang="zh-CN" sz="2000" b="0" i="1" dirty="0" smtClean="0">
+                          <a:latin typeface="Cambria Math" panose="02040503050406030204" pitchFamily="18" charset="0"/>
+                        </a:rPr>
+                        <m:t>= </m:t>
+                      </m:r>
+                      <m:sSub>
+                        <m:sSubPr>
+                          <m:ctrlPr>
+                            <a:rPr lang="en-US" altLang="zh-CN" sz="2000" b="0" i="1" dirty="0" smtClean="0">
+                              <a:latin typeface="Cambria Math" panose="02040503050406030204" pitchFamily="18" charset="0"/>
+                            </a:rPr>
+                          </m:ctrlPr>
+                        </m:sSubPr>
+                        <m:e>
+                          <m:r>
+                            <m:rPr>
+                              <m:sty m:val="p"/>
+                            </m:rPr>
+                            <a:rPr lang="en-US" altLang="zh-CN" sz="2000" i="1" dirty="0">
+                              <a:latin typeface="Cambria Math" panose="02040503050406030204" pitchFamily="18" charset="0"/>
+                            </a:rPr>
+                            <m:t>μ</m:t>
+                          </m:r>
+                        </m:e>
+                        <m:sub>
+                          <m:r>
+                            <a:rPr lang="en-US" altLang="zh-CN" sz="2000" b="0" i="1" dirty="0" smtClean="0">
+                              <a:latin typeface="Cambria Math" panose="02040503050406030204" pitchFamily="18" charset="0"/>
+                            </a:rPr>
+                            <m:t>0</m:t>
+                          </m:r>
+                        </m:sub>
+                      </m:sSub>
+                      <m:r>
+                        <a:rPr lang="en-US" altLang="zh-CN" sz="2000" b="0" i="1" dirty="0" smtClean="0">
+                          <a:latin typeface="Cambria Math" panose="02040503050406030204" pitchFamily="18" charset="0"/>
+                        </a:rPr>
+                        <m:t>+ </m:t>
+                      </m:r>
+                      <m:sSub>
+                        <m:sSubPr>
+                          <m:ctrlPr>
+                            <a:rPr lang="en-US" altLang="zh-CN" sz="2000" b="0" i="1" dirty="0" smtClean="0">
+                              <a:latin typeface="Cambria Math" panose="02040503050406030204" pitchFamily="18" charset="0"/>
+                            </a:rPr>
+                          </m:ctrlPr>
+                        </m:sSubPr>
+                        <m:e>
+                          <m:r>
+                            <m:rPr>
+                              <m:sty m:val="p"/>
+                            </m:rPr>
+                            <a:rPr lang="en-US" altLang="zh-CN" sz="2000" i="1" dirty="0">
+                              <a:latin typeface="Cambria Math" panose="02040503050406030204" pitchFamily="18" charset="0"/>
+                            </a:rPr>
+                            <m:t>ρ</m:t>
+                          </m:r>
+                        </m:e>
+                        <m:sub>
+                          <m:r>
+                            <a:rPr lang="en-US" altLang="zh-CN" sz="2000" b="0" i="1" dirty="0" smtClean="0">
+                              <a:latin typeface="Cambria Math" panose="02040503050406030204" pitchFamily="18" charset="0"/>
+                            </a:rPr>
+                            <m:t>𝐴</m:t>
+                          </m:r>
+                        </m:sub>
+                      </m:sSub>
+                      <m:r>
+                        <a:rPr lang="en-US" altLang="zh-CN" sz="2000" b="0" i="1" dirty="0" smtClean="0">
+                          <a:latin typeface="Cambria Math" panose="02040503050406030204" pitchFamily="18" charset="0"/>
+                        </a:rPr>
+                        <m:t> ∗</m:t>
+                      </m:r>
+                      <m:r>
+                        <a:rPr lang="en-US" altLang="zh-CN" sz="2000" b="0" i="1" dirty="0" smtClean="0">
+                          <a:latin typeface="Cambria Math" panose="02040503050406030204" pitchFamily="18" charset="0"/>
+                        </a:rPr>
+                        <m:t>𝑐</m:t>
+                      </m:r>
+                    </m:oMath>
+                  </m:oMathPara>
+                </a14:m>
+                <a:endParaRPr lang="en-US" altLang="zh-CN" sz="2000" dirty="0"/>
+              </a:p>
+              <a:p>
+                <a14:m>
+                  <m:oMathPara xmlns:m="http://schemas.openxmlformats.org/officeDocument/2006/math">
+                    <m:oMathParaPr>
+                      <m:jc m:val="centerGroup"/>
+                    </m:oMathParaPr>
+                    <m:oMath xmlns:m="http://schemas.openxmlformats.org/officeDocument/2006/math">
+                      <m:sSub>
+                        <m:sSubPr>
+                          <m:ctrlPr>
+                            <a:rPr lang="en-US" altLang="zh-CN" sz="2000" b="0" i="1" dirty="0" smtClean="0">
+                              <a:latin typeface="Cambria Math" panose="02040503050406030204" pitchFamily="18" charset="0"/>
+                            </a:rPr>
+                          </m:ctrlPr>
+                        </m:sSubPr>
+                        <m:e>
+                          <m:r>
+                            <m:rPr>
+                              <m:sty m:val="p"/>
+                            </m:rPr>
+                            <a:rPr lang="en-US" altLang="zh-CN" sz="2000" i="1" dirty="0">
+                              <a:latin typeface="Cambria Math" panose="02040503050406030204" pitchFamily="18" charset="0"/>
+                            </a:rPr>
+                            <m:t>μ</m:t>
+                          </m:r>
+                        </m:e>
+                        <m:sub>
+                          <m:r>
+                            <a:rPr lang="en-US" altLang="zh-CN" sz="2000" b="0" i="1" dirty="0" smtClean="0">
+                              <a:latin typeface="Cambria Math" panose="02040503050406030204" pitchFamily="18" charset="0"/>
+                            </a:rPr>
+                            <m:t>𝐵</m:t>
+                          </m:r>
+                        </m:sub>
+                      </m:sSub>
+                      <m:r>
+                        <a:rPr lang="en-US" altLang="zh-CN" sz="2000" b="0" i="1" dirty="0" smtClean="0">
+                          <a:latin typeface="Cambria Math" panose="02040503050406030204" pitchFamily="18" charset="0"/>
+                        </a:rPr>
+                        <m:t>= </m:t>
+                      </m:r>
+                      <m:sSub>
+                        <m:sSubPr>
+                          <m:ctrlPr>
+                            <a:rPr lang="en-US" altLang="zh-CN" sz="2000" b="0" i="1" dirty="0" smtClean="0">
+                              <a:latin typeface="Cambria Math" panose="02040503050406030204" pitchFamily="18" charset="0"/>
+                            </a:rPr>
+                          </m:ctrlPr>
+                        </m:sSubPr>
+                        <m:e>
+                          <m:r>
+                            <m:rPr>
+                              <m:sty m:val="p"/>
+                            </m:rPr>
+                            <a:rPr lang="en-US" altLang="zh-CN" sz="2000" i="1" dirty="0">
+                              <a:latin typeface="Cambria Math" panose="02040503050406030204" pitchFamily="18" charset="0"/>
+                            </a:rPr>
+                            <m:t>μ</m:t>
+                          </m:r>
+                        </m:e>
+                        <m:sub>
+                          <m:r>
+                            <a:rPr lang="en-US" altLang="zh-CN" sz="2000" b="0" i="1" dirty="0" smtClean="0">
+                              <a:latin typeface="Cambria Math" panose="02040503050406030204" pitchFamily="18" charset="0"/>
+                            </a:rPr>
+                            <m:t>0</m:t>
+                          </m:r>
+                        </m:sub>
+                      </m:sSub>
+                      <m:r>
+                        <a:rPr lang="en-US" altLang="zh-CN" sz="2000" b="0" i="1" dirty="0" smtClean="0">
+                          <a:latin typeface="Cambria Math" panose="02040503050406030204" pitchFamily="18" charset="0"/>
+                        </a:rPr>
+                        <m:t>−</m:t>
+                      </m:r>
+                      <m:r>
+                        <a:rPr lang="en-US" altLang="zh-CN" sz="2000" b="0" i="1" dirty="0" smtClean="0">
+                          <a:latin typeface="Cambria Math" panose="02040503050406030204" pitchFamily="18" charset="0"/>
+                        </a:rPr>
+                        <m:t> </m:t>
+                      </m:r>
+                      <m:sSub>
+                        <m:sSubPr>
+                          <m:ctrlPr>
+                            <a:rPr lang="en-US" altLang="zh-CN" sz="2000" b="0" i="1" dirty="0" smtClean="0">
+                              <a:latin typeface="Cambria Math" panose="02040503050406030204" pitchFamily="18" charset="0"/>
+                            </a:rPr>
+                          </m:ctrlPr>
+                        </m:sSubPr>
+                        <m:e>
+                          <m:r>
+                            <m:rPr>
+                              <m:sty m:val="p"/>
+                            </m:rPr>
+                            <a:rPr lang="en-US" altLang="zh-CN" sz="2000" i="1" dirty="0">
+                              <a:latin typeface="Cambria Math" panose="02040503050406030204" pitchFamily="18" charset="0"/>
+                            </a:rPr>
+                            <m:t>ρ</m:t>
+                          </m:r>
+                        </m:e>
+                        <m:sub>
+                          <m:r>
+                            <a:rPr lang="en-US" altLang="zh-CN" sz="2000" b="0" i="1" dirty="0" smtClean="0">
+                              <a:latin typeface="Cambria Math" panose="02040503050406030204" pitchFamily="18" charset="0"/>
+                            </a:rPr>
+                            <m:t>𝐵</m:t>
+                          </m:r>
+                        </m:sub>
+                      </m:sSub>
+                      <m:r>
+                        <a:rPr lang="en-US" altLang="zh-CN" sz="2000" b="0" i="1" dirty="0" smtClean="0">
+                          <a:latin typeface="Cambria Math" panose="02040503050406030204" pitchFamily="18" charset="0"/>
+                        </a:rPr>
+                        <m:t> ∗</m:t>
+                      </m:r>
+                      <m:r>
+                        <a:rPr lang="en-US" altLang="zh-CN" sz="2000" b="0" i="1" dirty="0" smtClean="0">
+                          <a:latin typeface="Cambria Math" panose="02040503050406030204" pitchFamily="18" charset="0"/>
+                        </a:rPr>
+                        <m:t>𝑐</m:t>
+                      </m:r>
+                    </m:oMath>
+                  </m:oMathPara>
+                </a14:m>
+                <a:endParaRPr lang="zh-CN" altLang="en-US" sz="2000" dirty="0"/>
+              </a:p>
+            </p:txBody>
+          </p:sp>
+        </mc:Choice>
+        <mc:Fallback>
+          <p:sp>
+            <p:nvSpPr>
+              <p:cNvPr id="20" name="文本框 19">
+                <a:extLst>
+                  <a:ext uri="{FF2B5EF4-FFF2-40B4-BE49-F238E27FC236}">
+                    <a16:creationId xmlns:a16="http://schemas.microsoft.com/office/drawing/2014/main" id="{4700C9F6-E822-4212-89CE-4C80866FB253}"/>
+                  </a:ext>
+                </a:extLst>
+              </p:cNvPr>
+              <p:cNvSpPr txBox="1">
+                <a:spLocks noRot="1" noChangeAspect="1" noMove="1" noResize="1" noEditPoints="1" noAdjustHandles="1" noChangeArrowheads="1" noChangeShapeType="1" noTextEdit="1"/>
+              </p:cNvSpPr>
+              <p:nvPr/>
+            </p:nvSpPr>
+            <p:spPr>
+              <a:xfrm>
+                <a:off x="9668193" y="2434763"/>
+                <a:ext cx="3939143" cy="1631216"/>
+              </a:xfrm>
+              <a:prstGeom prst="rect">
+                <a:avLst/>
+              </a:prstGeom>
+              <a:blipFill>
+                <a:blip r:embed="rId4"/>
+                <a:stretch>
+                  <a:fillRect l="-1703" t="-1866" b="-1119"/>
+                </a:stretch>
+              </a:blipFill>
+            </p:spPr>
+            <p:txBody>
+              <a:bodyPr/>
+              <a:lstStyle/>
+              <a:p>
+                <a:r>
+                  <a:rPr lang="zh-CN" altLang="en-US">
+                    <a:noFill/>
+                  </a:rPr>
+                  <a:t> </a:t>
+                </a:r>
+              </a:p>
+            </p:txBody>
+          </p:sp>
+        </mc:Fallback>
+      </mc:AlternateContent>
       <p:sp>
         <p:nvSpPr>
           <p:cNvPr id="21" name="右大括号 20">

--- a/docs/brainpy_handbook/ppt/snns.pptx
+++ b/docs/brainpy_handbook/ppt/snns.pptx
@@ -248,7 +248,7 @@
           <a:p>
             <a:fld id="{0E88AB90-0D2D-461D-B22C-FF3F8B460DB8}" type="datetimeFigureOut">
               <a:rPr lang="zh-CN" altLang="en-US" smtClean="0"/>
-              <a:t>2021/4/30</a:t>
+              <a:t>2021/5/5</a:t>
             </a:fld>
             <a:endParaRPr lang="zh-CN" altLang="en-US"/>
           </a:p>
@@ -418,7 +418,7 @@
           <a:p>
             <a:fld id="{0E88AB90-0D2D-461D-B22C-FF3F8B460DB8}" type="datetimeFigureOut">
               <a:rPr lang="zh-CN" altLang="en-US" smtClean="0"/>
-              <a:t>2021/4/30</a:t>
+              <a:t>2021/5/5</a:t>
             </a:fld>
             <a:endParaRPr lang="zh-CN" altLang="en-US"/>
           </a:p>
@@ -598,7 +598,7 @@
           <a:p>
             <a:fld id="{0E88AB90-0D2D-461D-B22C-FF3F8B460DB8}" type="datetimeFigureOut">
               <a:rPr lang="zh-CN" altLang="en-US" smtClean="0"/>
-              <a:t>2021/4/30</a:t>
+              <a:t>2021/5/5</a:t>
             </a:fld>
             <a:endParaRPr lang="zh-CN" altLang="en-US"/>
           </a:p>
@@ -768,7 +768,7 @@
           <a:p>
             <a:fld id="{0E88AB90-0D2D-461D-B22C-FF3F8B460DB8}" type="datetimeFigureOut">
               <a:rPr lang="zh-CN" altLang="en-US" smtClean="0"/>
-              <a:t>2021/4/30</a:t>
+              <a:t>2021/5/5</a:t>
             </a:fld>
             <a:endParaRPr lang="zh-CN" altLang="en-US"/>
           </a:p>
@@ -1012,7 +1012,7 @@
           <a:p>
             <a:fld id="{0E88AB90-0D2D-461D-B22C-FF3F8B460DB8}" type="datetimeFigureOut">
               <a:rPr lang="zh-CN" altLang="en-US" smtClean="0"/>
-              <a:t>2021/4/30</a:t>
+              <a:t>2021/5/5</a:t>
             </a:fld>
             <a:endParaRPr lang="zh-CN" altLang="en-US"/>
           </a:p>
@@ -1244,7 +1244,7 @@
           <a:p>
             <a:fld id="{0E88AB90-0D2D-461D-B22C-FF3F8B460DB8}" type="datetimeFigureOut">
               <a:rPr lang="zh-CN" altLang="en-US" smtClean="0"/>
-              <a:t>2021/4/30</a:t>
+              <a:t>2021/5/5</a:t>
             </a:fld>
             <a:endParaRPr lang="zh-CN" altLang="en-US"/>
           </a:p>
@@ -1611,7 +1611,7 @@
           <a:p>
             <a:fld id="{0E88AB90-0D2D-461D-B22C-FF3F8B460DB8}" type="datetimeFigureOut">
               <a:rPr lang="zh-CN" altLang="en-US" smtClean="0"/>
-              <a:t>2021/4/30</a:t>
+              <a:t>2021/5/5</a:t>
             </a:fld>
             <a:endParaRPr lang="zh-CN" altLang="en-US"/>
           </a:p>
@@ -1729,7 +1729,7 @@
           <a:p>
             <a:fld id="{0E88AB90-0D2D-461D-B22C-FF3F8B460DB8}" type="datetimeFigureOut">
               <a:rPr lang="zh-CN" altLang="en-US" smtClean="0"/>
-              <a:t>2021/4/30</a:t>
+              <a:t>2021/5/5</a:t>
             </a:fld>
             <a:endParaRPr lang="zh-CN" altLang="en-US"/>
           </a:p>
@@ -1824,7 +1824,7 @@
           <a:p>
             <a:fld id="{0E88AB90-0D2D-461D-B22C-FF3F8B460DB8}" type="datetimeFigureOut">
               <a:rPr lang="zh-CN" altLang="en-US" smtClean="0"/>
-              <a:t>2021/4/30</a:t>
+              <a:t>2021/5/5</a:t>
             </a:fld>
             <a:endParaRPr lang="zh-CN" altLang="en-US"/>
           </a:p>
@@ -2101,7 +2101,7 @@
           <a:p>
             <a:fld id="{0E88AB90-0D2D-461D-B22C-FF3F8B460DB8}" type="datetimeFigureOut">
               <a:rPr lang="zh-CN" altLang="en-US" smtClean="0"/>
-              <a:t>2021/4/30</a:t>
+              <a:t>2021/5/5</a:t>
             </a:fld>
             <a:endParaRPr lang="zh-CN" altLang="en-US"/>
           </a:p>
@@ -2358,7 +2358,7 @@
           <a:p>
             <a:fld id="{0E88AB90-0D2D-461D-B22C-FF3F8B460DB8}" type="datetimeFigureOut">
               <a:rPr lang="zh-CN" altLang="en-US" smtClean="0"/>
-              <a:t>2021/4/30</a:t>
+              <a:t>2021/5/5</a:t>
             </a:fld>
             <a:endParaRPr lang="zh-CN" altLang="en-US"/>
           </a:p>
@@ -2571,7 +2571,7 @@
           <a:p>
             <a:fld id="{0E88AB90-0D2D-461D-B22C-FF3F8B460DB8}" type="datetimeFigureOut">
               <a:rPr lang="zh-CN" altLang="en-US" smtClean="0"/>
-              <a:t>2021/4/30</a:t>
+              <a:t>2021/5/5</a:t>
             </a:fld>
             <a:endParaRPr lang="zh-CN" altLang="en-US"/>
           </a:p>
@@ -4940,8 +4940,8 @@
           </a:p>
         </p:txBody>
       </p:sp>
-      <mc:AlternateContent xmlns:mc="http://schemas.openxmlformats.org/markup-compatibility/2006">
-        <mc:Choice xmlns:a14="http://schemas.microsoft.com/office/drawing/2010/main" Requires="a14">
+      <mc:AlternateContent xmlns:mc="http://schemas.openxmlformats.org/markup-compatibility/2006" xmlns:a14="http://schemas.microsoft.com/office/drawing/2010/main">
+        <mc:Choice Requires="a14">
           <p:sp>
             <p:nvSpPr>
               <p:cNvPr id="12" name="文本框 11">
@@ -4976,6 +4976,7 @@
                 </a:r>
               </a:p>
               <a:p>
+                <a:pPr/>
                 <a14:m>
                   <m:oMathPara xmlns:m="http://schemas.openxmlformats.org/officeDocument/2006/math">
                     <m:oMathParaPr>
@@ -5231,7 +5232,7 @@
             </p:txBody>
           </p:sp>
         </mc:Choice>
-        <mc:Fallback>
+        <mc:Fallback xmlns="">
           <p:sp>
             <p:nvSpPr>
               <p:cNvPr id="12" name="文本框 11">
@@ -5422,8 +5423,8 @@
           </a:p>
         </p:txBody>
       </p:sp>
-      <mc:AlternateContent xmlns:mc="http://schemas.openxmlformats.org/markup-compatibility/2006">
-        <mc:Choice xmlns:a14="http://schemas.microsoft.com/office/drawing/2010/main" Requires="a14">
+      <mc:AlternateContent xmlns:mc="http://schemas.openxmlformats.org/markup-compatibility/2006" xmlns:a14="http://schemas.microsoft.com/office/drawing/2010/main">
+        <mc:Choice Requires="a14">
           <p:sp>
             <p:nvSpPr>
               <p:cNvPr id="20" name="文本框 19">
@@ -5461,6 +5462,7 @@
                 </a:endParaRPr>
               </a:p>
               <a:p>
+                <a:pPr/>
                 <a14:m>
                   <m:oMathPara xmlns:m="http://schemas.openxmlformats.org/officeDocument/2006/math">
                     <m:oMathParaPr>
@@ -5581,6 +5583,7 @@
                 <a:endParaRPr lang="en-US" altLang="zh-CN" sz="2000" dirty="0"/>
               </a:p>
               <a:p>
+                <a:pPr/>
                 <a14:m>
                   <m:oMathPara xmlns:m="http://schemas.openxmlformats.org/officeDocument/2006/math">
                     <m:oMathParaPr>
@@ -5653,13 +5656,7 @@
                         <a:rPr lang="en-US" altLang="zh-CN" sz="2000" b="0" i="1" dirty="0" smtClean="0">
                           <a:latin typeface="Cambria Math" panose="02040503050406030204" pitchFamily="18" charset="0"/>
                         </a:rPr>
-                        <m:t>−</m:t>
-                      </m:r>
-                      <m:r>
-                        <a:rPr lang="en-US" altLang="zh-CN" sz="2000" b="0" i="1" dirty="0" smtClean="0">
-                          <a:latin typeface="Cambria Math" panose="02040503050406030204" pitchFamily="18" charset="0"/>
-                        </a:rPr>
-                        <m:t> </m:t>
+                        <m:t>− </m:t>
                       </m:r>
                       <m:sSub>
                         <m:sSubPr>
@@ -5709,7 +5706,7 @@
             </p:txBody>
           </p:sp>
         </mc:Choice>
-        <mc:Fallback>
+        <mc:Fallback xmlns="">
           <p:sp>
             <p:nvSpPr>
               <p:cNvPr id="20" name="文本框 19">

--- a/docs/brainpy_handbook/ppt/snns.pptx
+++ b/docs/brainpy_handbook/ppt/snns.pptx
@@ -248,7 +248,7 @@
           <a:p>
             <a:fld id="{0E88AB90-0D2D-461D-B22C-FF3F8B460DB8}" type="datetimeFigureOut">
               <a:rPr lang="zh-CN" altLang="en-US" smtClean="0"/>
-              <a:t>2021/5/5</a:t>
+              <a:t>2021/5/11</a:t>
             </a:fld>
             <a:endParaRPr lang="zh-CN" altLang="en-US"/>
           </a:p>
@@ -418,7 +418,7 @@
           <a:p>
             <a:fld id="{0E88AB90-0D2D-461D-B22C-FF3F8B460DB8}" type="datetimeFigureOut">
               <a:rPr lang="zh-CN" altLang="en-US" smtClean="0"/>
-              <a:t>2021/5/5</a:t>
+              <a:t>2021/5/11</a:t>
             </a:fld>
             <a:endParaRPr lang="zh-CN" altLang="en-US"/>
           </a:p>
@@ -598,7 +598,7 @@
           <a:p>
             <a:fld id="{0E88AB90-0D2D-461D-B22C-FF3F8B460DB8}" type="datetimeFigureOut">
               <a:rPr lang="zh-CN" altLang="en-US" smtClean="0"/>
-              <a:t>2021/5/5</a:t>
+              <a:t>2021/5/11</a:t>
             </a:fld>
             <a:endParaRPr lang="zh-CN" altLang="en-US"/>
           </a:p>
@@ -768,7 +768,7 @@
           <a:p>
             <a:fld id="{0E88AB90-0D2D-461D-B22C-FF3F8B460DB8}" type="datetimeFigureOut">
               <a:rPr lang="zh-CN" altLang="en-US" smtClean="0"/>
-              <a:t>2021/5/5</a:t>
+              <a:t>2021/5/11</a:t>
             </a:fld>
             <a:endParaRPr lang="zh-CN" altLang="en-US"/>
           </a:p>
@@ -1012,7 +1012,7 @@
           <a:p>
             <a:fld id="{0E88AB90-0D2D-461D-B22C-FF3F8B460DB8}" type="datetimeFigureOut">
               <a:rPr lang="zh-CN" altLang="en-US" smtClean="0"/>
-              <a:t>2021/5/5</a:t>
+              <a:t>2021/5/11</a:t>
             </a:fld>
             <a:endParaRPr lang="zh-CN" altLang="en-US"/>
           </a:p>
@@ -1244,7 +1244,7 @@
           <a:p>
             <a:fld id="{0E88AB90-0D2D-461D-B22C-FF3F8B460DB8}" type="datetimeFigureOut">
               <a:rPr lang="zh-CN" altLang="en-US" smtClean="0"/>
-              <a:t>2021/5/5</a:t>
+              <a:t>2021/5/11</a:t>
             </a:fld>
             <a:endParaRPr lang="zh-CN" altLang="en-US"/>
           </a:p>
@@ -1611,7 +1611,7 @@
           <a:p>
             <a:fld id="{0E88AB90-0D2D-461D-B22C-FF3F8B460DB8}" type="datetimeFigureOut">
               <a:rPr lang="zh-CN" altLang="en-US" smtClean="0"/>
-              <a:t>2021/5/5</a:t>
+              <a:t>2021/5/11</a:t>
             </a:fld>
             <a:endParaRPr lang="zh-CN" altLang="en-US"/>
           </a:p>
@@ -1729,7 +1729,7 @@
           <a:p>
             <a:fld id="{0E88AB90-0D2D-461D-B22C-FF3F8B460DB8}" type="datetimeFigureOut">
               <a:rPr lang="zh-CN" altLang="en-US" smtClean="0"/>
-              <a:t>2021/5/5</a:t>
+              <a:t>2021/5/11</a:t>
             </a:fld>
             <a:endParaRPr lang="zh-CN" altLang="en-US"/>
           </a:p>
@@ -1824,7 +1824,7 @@
           <a:p>
             <a:fld id="{0E88AB90-0D2D-461D-B22C-FF3F8B460DB8}" type="datetimeFigureOut">
               <a:rPr lang="zh-CN" altLang="en-US" smtClean="0"/>
-              <a:t>2021/5/5</a:t>
+              <a:t>2021/5/11</a:t>
             </a:fld>
             <a:endParaRPr lang="zh-CN" altLang="en-US"/>
           </a:p>
@@ -2101,7 +2101,7 @@
           <a:p>
             <a:fld id="{0E88AB90-0D2D-461D-B22C-FF3F8B460DB8}" type="datetimeFigureOut">
               <a:rPr lang="zh-CN" altLang="en-US" smtClean="0"/>
-              <a:t>2021/5/5</a:t>
+              <a:t>2021/5/11</a:t>
             </a:fld>
             <a:endParaRPr lang="zh-CN" altLang="en-US"/>
           </a:p>
@@ -2358,7 +2358,7 @@
           <a:p>
             <a:fld id="{0E88AB90-0D2D-461D-B22C-FF3F8B460DB8}" type="datetimeFigureOut">
               <a:rPr lang="zh-CN" altLang="en-US" smtClean="0"/>
-              <a:t>2021/5/5</a:t>
+              <a:t>2021/5/11</a:t>
             </a:fld>
             <a:endParaRPr lang="zh-CN" altLang="en-US"/>
           </a:p>
@@ -2571,7 +2571,7 @@
           <a:p>
             <a:fld id="{0E88AB90-0D2D-461D-B22C-FF3F8B460DB8}" type="datetimeFigureOut">
               <a:rPr lang="zh-CN" altLang="en-US" smtClean="0"/>
-              <a:t>2021/5/5</a:t>
+              <a:t>2021/5/11</a:t>
             </a:fld>
             <a:endParaRPr lang="zh-CN" altLang="en-US"/>
           </a:p>
@@ -6015,7 +6015,11 @@
           <a:p>
             <a:r>
               <a:rPr lang="en-US" altLang="zh-CN" sz="2000" dirty="0"/>
-              <a:t>Define neurons that generate Poisson stimulus inputs for every neuron in the network.</a:t>
+              <a:t>Define neurons that generate Poisson stimulus inputs for every neuron </a:t>
+            </a:r>
+            <a:r>
+              <a:rPr lang="en-US" altLang="zh-CN" sz="2000"/>
+              <a:t>in group A and B.</a:t>
             </a:r>
             <a:endParaRPr lang="zh-CN" altLang="en-US" sz="2000" dirty="0"/>
           </a:p>
